--- a/figures/unused/RealSystemOverview.pptx
+++ b/figures/unused/RealSystemOverview.pptx
@@ -8,7 +8,8 @@
     <p:sldId id="256" r:id="rId2"/>
     <p:sldId id="260" r:id="rId3"/>
     <p:sldId id="261" r:id="rId4"/>
-    <p:sldId id="262" r:id="rId5"/>
+    <p:sldId id="263" r:id="rId5"/>
+    <p:sldId id="262" r:id="rId6"/>
   </p:sldIdLst>
   <p:sldSz cx="12192000" cy="6858000"/>
   <p:notesSz cx="6858000" cy="9144000"/>
@@ -272,7 +273,7 @@
           <a:p>
             <a:fld id="{7FF53A64-B442-45D6-945D-E233AAFE077E}" type="datetimeFigureOut">
               <a:rPr lang="en-US" smtClean="0"/>
-              <a:t>4/4/2017</a:t>
+              <a:t>5/2/2017</a:t>
             </a:fld>
             <a:endParaRPr lang="en-US"/>
           </a:p>
@@ -442,7 +443,7 @@
           <a:p>
             <a:fld id="{7FF53A64-B442-45D6-945D-E233AAFE077E}" type="datetimeFigureOut">
               <a:rPr lang="en-US" smtClean="0"/>
-              <a:t>4/4/2017</a:t>
+              <a:t>5/2/2017</a:t>
             </a:fld>
             <a:endParaRPr lang="en-US"/>
           </a:p>
@@ -622,7 +623,7 @@
           <a:p>
             <a:fld id="{7FF53A64-B442-45D6-945D-E233AAFE077E}" type="datetimeFigureOut">
               <a:rPr lang="en-US" smtClean="0"/>
-              <a:t>4/4/2017</a:t>
+              <a:t>5/2/2017</a:t>
             </a:fld>
             <a:endParaRPr lang="en-US"/>
           </a:p>
@@ -792,7 +793,7 @@
           <a:p>
             <a:fld id="{7FF53A64-B442-45D6-945D-E233AAFE077E}" type="datetimeFigureOut">
               <a:rPr lang="en-US" smtClean="0"/>
-              <a:t>4/4/2017</a:t>
+              <a:t>5/2/2017</a:t>
             </a:fld>
             <a:endParaRPr lang="en-US"/>
           </a:p>
@@ -1038,7 +1039,7 @@
           <a:p>
             <a:fld id="{7FF53A64-B442-45D6-945D-E233AAFE077E}" type="datetimeFigureOut">
               <a:rPr lang="en-US" smtClean="0"/>
-              <a:t>4/4/2017</a:t>
+              <a:t>5/2/2017</a:t>
             </a:fld>
             <a:endParaRPr lang="en-US"/>
           </a:p>
@@ -1270,7 +1271,7 @@
           <a:p>
             <a:fld id="{7FF53A64-B442-45D6-945D-E233AAFE077E}" type="datetimeFigureOut">
               <a:rPr lang="en-US" smtClean="0"/>
-              <a:t>4/4/2017</a:t>
+              <a:t>5/2/2017</a:t>
             </a:fld>
             <a:endParaRPr lang="en-US"/>
           </a:p>
@@ -1637,7 +1638,7 @@
           <a:p>
             <a:fld id="{7FF53A64-B442-45D6-945D-E233AAFE077E}" type="datetimeFigureOut">
               <a:rPr lang="en-US" smtClean="0"/>
-              <a:t>4/4/2017</a:t>
+              <a:t>5/2/2017</a:t>
             </a:fld>
             <a:endParaRPr lang="en-US"/>
           </a:p>
@@ -1755,7 +1756,7 @@
           <a:p>
             <a:fld id="{7FF53A64-B442-45D6-945D-E233AAFE077E}" type="datetimeFigureOut">
               <a:rPr lang="en-US" smtClean="0"/>
-              <a:t>4/4/2017</a:t>
+              <a:t>5/2/2017</a:t>
             </a:fld>
             <a:endParaRPr lang="en-US"/>
           </a:p>
@@ -1850,7 +1851,7 @@
           <a:p>
             <a:fld id="{7FF53A64-B442-45D6-945D-E233AAFE077E}" type="datetimeFigureOut">
               <a:rPr lang="en-US" smtClean="0"/>
-              <a:t>4/4/2017</a:t>
+              <a:t>5/2/2017</a:t>
             </a:fld>
             <a:endParaRPr lang="en-US"/>
           </a:p>
@@ -2127,7 +2128,7 @@
           <a:p>
             <a:fld id="{7FF53A64-B442-45D6-945D-E233AAFE077E}" type="datetimeFigureOut">
               <a:rPr lang="en-US" smtClean="0"/>
-              <a:t>4/4/2017</a:t>
+              <a:t>5/2/2017</a:t>
             </a:fld>
             <a:endParaRPr lang="en-US"/>
           </a:p>
@@ -2380,7 +2381,7 @@
           <a:p>
             <a:fld id="{7FF53A64-B442-45D6-945D-E233AAFE077E}" type="datetimeFigureOut">
               <a:rPr lang="en-US" smtClean="0"/>
-              <a:t>4/4/2017</a:t>
+              <a:t>5/2/2017</a:t>
             </a:fld>
             <a:endParaRPr lang="en-US"/>
           </a:p>
@@ -2593,7 +2594,7 @@
           <a:p>
             <a:fld id="{7FF53A64-B442-45D6-945D-E233AAFE077E}" type="datetimeFigureOut">
               <a:rPr lang="en-US" smtClean="0"/>
-              <a:t>4/4/2017</a:t>
+              <a:t>5/2/2017</a:t>
             </a:fld>
             <a:endParaRPr lang="en-US"/>
           </a:p>
@@ -24942,23 +24943,1489 @@
           <a:chExt cx="0" cy="0"/>
         </a:xfrm>
       </p:grpSpPr>
+      <p:pic>
+        <p:nvPicPr>
+          <p:cNvPr id="15" name="Picture 14"/>
+          <p:cNvPicPr>
+            <a:picLocks noChangeAspect="1"/>
+          </p:cNvPicPr>
+          <p:nvPr>
+            <p:custDataLst>
+              <p:tags r:id="rId1"/>
+            </p:custDataLst>
+          </p:nvPr>
+        </p:nvPicPr>
+        <p:blipFill>
+          <a:blip r:embed="rId12" cstate="print">
+            <a:extLst>
+              <a:ext uri="{28A0092B-C50C-407E-A947-70E740481C1C}">
+                <a14:useLocalDpi xmlns:a14="http://schemas.microsoft.com/office/drawing/2010/main" val="0"/>
+              </a:ext>
+            </a:extLst>
+          </a:blip>
+          <a:stretch>
+            <a:fillRect/>
+          </a:stretch>
+        </p:blipFill>
+        <p:spPr>
+          <a:xfrm>
+            <a:off x="3091937" y="4013807"/>
+            <a:ext cx="5958083" cy="1063620"/>
+          </a:xfrm>
+          <a:prstGeom prst="rect">
+            <a:avLst/>
+          </a:prstGeom>
+        </p:spPr>
+      </p:pic>
+      <p:pic>
+        <p:nvPicPr>
+          <p:cNvPr id="16" name="Picture 15"/>
+          <p:cNvPicPr>
+            <a:picLocks noChangeAspect="1"/>
+          </p:cNvPicPr>
+          <p:nvPr>
+            <p:custDataLst>
+              <p:tags r:id="rId2"/>
+            </p:custDataLst>
+          </p:nvPr>
+        </p:nvPicPr>
+        <p:blipFill>
+          <a:blip r:embed="rId13" cstate="print">
+            <a:extLst>
+              <a:ext uri="{28A0092B-C50C-407E-A947-70E740481C1C}">
+                <a14:useLocalDpi xmlns:a14="http://schemas.microsoft.com/office/drawing/2010/main" val="0"/>
+              </a:ext>
+            </a:extLst>
+          </a:blip>
+          <a:stretch>
+            <a:fillRect/>
+          </a:stretch>
+        </p:blipFill>
+        <p:spPr>
+          <a:xfrm>
+            <a:off x="2941081" y="5295249"/>
+            <a:ext cx="6259794" cy="758858"/>
+          </a:xfrm>
+          <a:prstGeom prst="rect">
+            <a:avLst/>
+          </a:prstGeom>
+        </p:spPr>
+      </p:pic>
+      <p:sp>
+        <p:nvSpPr>
+          <p:cNvPr id="137" name="Flowchart: Summing Junction 136"/>
+          <p:cNvSpPr/>
+          <p:nvPr/>
+        </p:nvSpPr>
+        <p:spPr>
+          <a:xfrm>
+            <a:off x="3250480" y="1108694"/>
+            <a:ext cx="533400" cy="533400"/>
+          </a:xfrm>
+          <a:prstGeom prst="flowChartSummingJunction">
+            <a:avLst/>
+          </a:prstGeom>
+          <a:solidFill>
+            <a:schemeClr val="bg1">
+              <a:lumMod val="95000"/>
+            </a:schemeClr>
+          </a:solidFill>
+          <a:ln>
+            <a:solidFill>
+              <a:schemeClr val="tx1"/>
+            </a:solidFill>
+          </a:ln>
+        </p:spPr>
+        <p:style>
+          <a:lnRef idx="2">
+            <a:schemeClr val="accent1">
+              <a:shade val="50000"/>
+            </a:schemeClr>
+          </a:lnRef>
+          <a:fillRef idx="1">
+            <a:schemeClr val="accent1"/>
+          </a:fillRef>
+          <a:effectRef idx="0">
+            <a:schemeClr val="accent1"/>
+          </a:effectRef>
+          <a:fontRef idx="minor">
+            <a:schemeClr val="lt1"/>
+          </a:fontRef>
+        </p:style>
+        <p:txBody>
+          <a:bodyPr rtlCol="0" anchor="ctr"/>
+          <a:lstStyle/>
+          <a:p>
+            <a:pPr algn="ctr"/>
+            <a:endParaRPr lang="en-US">
+              <a:latin typeface="Times New Roman" panose="02020603050405020304" pitchFamily="18" charset="0"/>
+              <a:cs typeface="Times New Roman" panose="02020603050405020304" pitchFamily="18" charset="0"/>
+            </a:endParaRPr>
+          </a:p>
+        </p:txBody>
+      </p:sp>
+      <p:sp>
+        <p:nvSpPr>
+          <p:cNvPr id="152" name="Rectangle 151"/>
+          <p:cNvSpPr/>
+          <p:nvPr/>
+        </p:nvSpPr>
+        <p:spPr>
+          <a:xfrm>
+            <a:off x="7891313" y="803894"/>
+            <a:ext cx="1143000" cy="1143000"/>
+          </a:xfrm>
+          <a:prstGeom prst="rect">
+            <a:avLst/>
+          </a:prstGeom>
+          <a:solidFill>
+            <a:schemeClr val="bg1">
+              <a:lumMod val="95000"/>
+            </a:schemeClr>
+          </a:solidFill>
+          <a:ln>
+            <a:solidFill>
+              <a:schemeClr val="tx1"/>
+            </a:solidFill>
+          </a:ln>
+        </p:spPr>
+        <p:style>
+          <a:lnRef idx="2">
+            <a:schemeClr val="accent1">
+              <a:shade val="50000"/>
+            </a:schemeClr>
+          </a:lnRef>
+          <a:fillRef idx="1">
+            <a:schemeClr val="accent1"/>
+          </a:fillRef>
+          <a:effectRef idx="0">
+            <a:schemeClr val="accent1"/>
+          </a:effectRef>
+          <a:fontRef idx="minor">
+            <a:schemeClr val="lt1"/>
+          </a:fontRef>
+        </p:style>
+        <p:txBody>
+          <a:bodyPr rtlCol="0" anchor="ctr"/>
+          <a:lstStyle/>
+          <a:p>
+            <a:pPr algn="ctr"/>
+            <a:endParaRPr lang="en-US" dirty="0">
+              <a:latin typeface="Times New Roman" panose="02020603050405020304" pitchFamily="18" charset="0"/>
+              <a:cs typeface="Times New Roman" panose="02020603050405020304" pitchFamily="18" charset="0"/>
+            </a:endParaRPr>
+          </a:p>
+        </p:txBody>
+      </p:sp>
+      <p:cxnSp>
+        <p:nvCxnSpPr>
+          <p:cNvPr id="160" name="Straight Arrow Connector 159"/>
+          <p:cNvCxnSpPr/>
+          <p:nvPr/>
+        </p:nvCxnSpPr>
+        <p:spPr>
+          <a:xfrm>
+            <a:off x="3783880" y="1375394"/>
+            <a:ext cx="4107433" cy="0"/>
+          </a:xfrm>
+          <a:prstGeom prst="straightConnector1">
+            <a:avLst/>
+          </a:prstGeom>
+          <a:ln w="12700" cmpd="sng">
+            <a:solidFill>
+              <a:schemeClr val="tx1"/>
+            </a:solidFill>
+            <a:tailEnd type="triangle"/>
+          </a:ln>
+          <a:effectLst/>
+        </p:spPr>
+        <p:style>
+          <a:lnRef idx="2">
+            <a:schemeClr val="accent1"/>
+          </a:lnRef>
+          <a:fillRef idx="0">
+            <a:schemeClr val="accent1"/>
+          </a:fillRef>
+          <a:effectRef idx="1">
+            <a:schemeClr val="accent1"/>
+          </a:effectRef>
+          <a:fontRef idx="minor">
+            <a:schemeClr val="tx1"/>
+          </a:fontRef>
+        </p:style>
+      </p:cxnSp>
+      <p:cxnSp>
+        <p:nvCxnSpPr>
+          <p:cNvPr id="161" name="Straight Arrow Connector 160"/>
+          <p:cNvCxnSpPr>
+            <a:stCxn id="135" idx="2"/>
+            <a:endCxn id="155" idx="0"/>
+          </p:cNvCxnSpPr>
+          <p:nvPr/>
+        </p:nvCxnSpPr>
+        <p:spPr>
+          <a:xfrm>
+            <a:off x="7290320" y="1371600"/>
+            <a:ext cx="0" cy="1278755"/>
+          </a:xfrm>
+          <a:prstGeom prst="straightConnector1">
+            <a:avLst/>
+          </a:prstGeom>
+          <a:ln w="12700" cmpd="sng">
+            <a:solidFill>
+              <a:schemeClr val="tx1"/>
+            </a:solidFill>
+            <a:tailEnd type="triangle"/>
+          </a:ln>
+          <a:effectLst/>
+        </p:spPr>
+        <p:style>
+          <a:lnRef idx="2">
+            <a:schemeClr val="accent1"/>
+          </a:lnRef>
+          <a:fillRef idx="0">
+            <a:schemeClr val="accent1"/>
+          </a:fillRef>
+          <a:effectRef idx="1">
+            <a:schemeClr val="accent1"/>
+          </a:effectRef>
+          <a:fontRef idx="minor">
+            <a:schemeClr val="tx1"/>
+          </a:fontRef>
+        </p:style>
+      </p:cxnSp>
+      <p:cxnSp>
+        <p:nvCxnSpPr>
+          <p:cNvPr id="166" name="Straight Arrow Connector 165"/>
+          <p:cNvCxnSpPr/>
+          <p:nvPr/>
+        </p:nvCxnSpPr>
+        <p:spPr>
+          <a:xfrm>
+            <a:off x="2566157" y="1375394"/>
+            <a:ext cx="684323" cy="0"/>
+          </a:xfrm>
+          <a:prstGeom prst="straightConnector1">
+            <a:avLst/>
+          </a:prstGeom>
+          <a:ln w="12700">
+            <a:solidFill>
+              <a:schemeClr val="tx1"/>
+            </a:solidFill>
+            <a:tailEnd type="triangle"/>
+          </a:ln>
+        </p:spPr>
+        <p:style>
+          <a:lnRef idx="1">
+            <a:schemeClr val="accent1"/>
+          </a:lnRef>
+          <a:fillRef idx="0">
+            <a:schemeClr val="accent1"/>
+          </a:fillRef>
+          <a:effectRef idx="0">
+            <a:schemeClr val="accent1"/>
+          </a:effectRef>
+          <a:fontRef idx="minor">
+            <a:schemeClr val="tx1"/>
+          </a:fontRef>
+        </p:style>
+      </p:cxnSp>
+      <p:cxnSp>
+        <p:nvCxnSpPr>
+          <p:cNvPr id="167" name="Elbow Connector 166"/>
+          <p:cNvCxnSpPr>
+            <a:stCxn id="137" idx="4"/>
+            <a:endCxn id="159" idx="1"/>
+          </p:cNvCxnSpPr>
+          <p:nvPr/>
+        </p:nvCxnSpPr>
+        <p:spPr>
+          <a:xfrm rot="16200000" flipH="1">
+            <a:off x="2873265" y="2286008"/>
+            <a:ext cx="1582391" cy="294561"/>
+          </a:xfrm>
+          <a:prstGeom prst="bentConnector2">
+            <a:avLst/>
+          </a:prstGeom>
+          <a:ln w="12700">
+            <a:solidFill>
+              <a:schemeClr val="tx1"/>
+            </a:solidFill>
+            <a:headEnd type="triangle" w="med" len="med"/>
+            <a:tailEnd type="none" w="med" len="med"/>
+          </a:ln>
+        </p:spPr>
+        <p:style>
+          <a:lnRef idx="1">
+            <a:schemeClr val="accent1"/>
+          </a:lnRef>
+          <a:fillRef idx="0">
+            <a:schemeClr val="accent1"/>
+          </a:fillRef>
+          <a:effectRef idx="0">
+            <a:schemeClr val="accent1"/>
+          </a:effectRef>
+          <a:fontRef idx="minor">
+            <a:schemeClr val="tx1"/>
+          </a:fontRef>
+        </p:style>
+      </p:cxnSp>
+      <p:sp>
+        <p:nvSpPr>
+          <p:cNvPr id="155" name="Rectangle 154"/>
+          <p:cNvSpPr/>
+          <p:nvPr/>
+        </p:nvSpPr>
+        <p:spPr>
+          <a:xfrm>
+            <a:off x="6718820" y="2650355"/>
+            <a:ext cx="1143000" cy="1143000"/>
+          </a:xfrm>
+          <a:prstGeom prst="rect">
+            <a:avLst/>
+          </a:prstGeom>
+          <a:solidFill>
+            <a:schemeClr val="bg1">
+              <a:lumMod val="95000"/>
+            </a:schemeClr>
+          </a:solidFill>
+          <a:ln>
+            <a:solidFill>
+              <a:schemeClr val="tx1"/>
+            </a:solidFill>
+          </a:ln>
+        </p:spPr>
+        <p:style>
+          <a:lnRef idx="2">
+            <a:schemeClr val="accent1">
+              <a:shade val="50000"/>
+            </a:schemeClr>
+          </a:lnRef>
+          <a:fillRef idx="1">
+            <a:schemeClr val="accent1"/>
+          </a:fillRef>
+          <a:effectRef idx="0">
+            <a:schemeClr val="accent1"/>
+          </a:effectRef>
+          <a:fontRef idx="minor">
+            <a:schemeClr val="lt1"/>
+          </a:fontRef>
+        </p:style>
+        <p:txBody>
+          <a:bodyPr rtlCol="0" anchor="ctr"/>
+          <a:lstStyle/>
+          <a:p>
+            <a:pPr algn="ctr"/>
+            <a:r>
+              <a:rPr lang="en-US" dirty="0" smtClean="0">
+                <a:ln w="0"/>
+                <a:solidFill>
+                  <a:schemeClr val="tx1"/>
+                </a:solidFill>
+                <a:effectLst>
+                  <a:outerShdw blurRad="38100" dist="19050" dir="2700000" algn="tl" rotWithShape="0">
+                    <a:schemeClr val="dk1">
+                      <a:alpha val="40000"/>
+                    </a:schemeClr>
+                  </a:outerShdw>
+                </a:effectLst>
+                <a:latin typeface="Times New Roman" panose="02020603050405020304" pitchFamily="18" charset="0"/>
+                <a:cs typeface="Times New Roman" panose="02020603050405020304" pitchFamily="18" charset="0"/>
+              </a:rPr>
+              <a:t>PED</a:t>
+            </a:r>
+            <a:endParaRPr lang="en-US" dirty="0">
+              <a:latin typeface="Times New Roman" panose="02020603050405020304" pitchFamily="18" charset="0"/>
+              <a:cs typeface="Times New Roman" panose="02020603050405020304" pitchFamily="18" charset="0"/>
+            </a:endParaRPr>
+          </a:p>
+        </p:txBody>
+      </p:sp>
+      <p:sp>
+        <p:nvSpPr>
+          <p:cNvPr id="156" name="Isosceles Triangle 155"/>
+          <p:cNvSpPr/>
+          <p:nvPr/>
+        </p:nvSpPr>
+        <p:spPr>
+          <a:xfrm rot="16200000">
+            <a:off x="5522129" y="2909017"/>
+            <a:ext cx="630936" cy="630936"/>
+          </a:xfrm>
+          <a:prstGeom prst="triangle">
+            <a:avLst/>
+          </a:prstGeom>
+          <a:solidFill>
+            <a:schemeClr val="bg1">
+              <a:lumMod val="95000"/>
+            </a:schemeClr>
+          </a:solidFill>
+          <a:ln>
+            <a:solidFill>
+              <a:schemeClr val="tx1"/>
+            </a:solidFill>
+          </a:ln>
+        </p:spPr>
+        <p:style>
+          <a:lnRef idx="2">
+            <a:schemeClr val="accent1">
+              <a:shade val="50000"/>
+            </a:schemeClr>
+          </a:lnRef>
+          <a:fillRef idx="1">
+            <a:schemeClr val="accent1"/>
+          </a:fillRef>
+          <a:effectRef idx="0">
+            <a:schemeClr val="accent1"/>
+          </a:effectRef>
+          <a:fontRef idx="minor">
+            <a:schemeClr val="lt1"/>
+          </a:fontRef>
+        </p:style>
+        <p:txBody>
+          <a:bodyPr rtlCol="0" anchor="ctr"/>
+          <a:lstStyle/>
+          <a:p>
+            <a:pPr algn="ctr"/>
+            <a:endParaRPr lang="en-US" dirty="0"/>
+          </a:p>
+        </p:txBody>
+      </p:sp>
+      <p:pic>
+        <p:nvPicPr>
+          <p:cNvPr id="157" name="Picture 156"/>
+          <p:cNvPicPr>
+            <a:picLocks noChangeAspect="1"/>
+          </p:cNvPicPr>
+          <p:nvPr>
+            <p:custDataLst>
+              <p:tags r:id="rId3"/>
+            </p:custDataLst>
+          </p:nvPr>
+        </p:nvPicPr>
+        <p:blipFill>
+          <a:blip r:embed="rId14" cstate="print">
+            <a:extLst>
+              <a:ext uri="{28A0092B-C50C-407E-A947-70E740481C1C}">
+                <a14:useLocalDpi xmlns:a14="http://schemas.microsoft.com/office/drawing/2010/main" val="0"/>
+              </a:ext>
+            </a:extLst>
+          </a:blip>
+          <a:stretch>
+            <a:fillRect/>
+          </a:stretch>
+        </p:blipFill>
+        <p:spPr>
+          <a:xfrm>
+            <a:off x="5820071" y="3122917"/>
+            <a:ext cx="279680" cy="203136"/>
+          </a:xfrm>
+          <a:prstGeom prst="rect">
+            <a:avLst/>
+          </a:prstGeom>
+          <a:noFill/>
+        </p:spPr>
+      </p:pic>
+      <p:sp>
+        <p:nvSpPr>
+          <p:cNvPr id="159" name="Rectangle 158"/>
+          <p:cNvSpPr/>
+          <p:nvPr/>
+        </p:nvSpPr>
+        <p:spPr>
+          <a:xfrm>
+            <a:off x="3811741" y="2652985"/>
+            <a:ext cx="1143000" cy="1143000"/>
+          </a:xfrm>
+          <a:prstGeom prst="rect">
+            <a:avLst/>
+          </a:prstGeom>
+          <a:solidFill>
+            <a:schemeClr val="bg1">
+              <a:lumMod val="95000"/>
+            </a:schemeClr>
+          </a:solidFill>
+          <a:ln>
+            <a:solidFill>
+              <a:schemeClr val="tx1"/>
+            </a:solidFill>
+          </a:ln>
+        </p:spPr>
+        <p:style>
+          <a:lnRef idx="2">
+            <a:schemeClr val="accent1">
+              <a:shade val="50000"/>
+            </a:schemeClr>
+          </a:lnRef>
+          <a:fillRef idx="1">
+            <a:schemeClr val="accent1"/>
+          </a:fillRef>
+          <a:effectRef idx="0">
+            <a:schemeClr val="accent1"/>
+          </a:effectRef>
+          <a:fontRef idx="minor">
+            <a:schemeClr val="lt1"/>
+          </a:fontRef>
+        </p:style>
+        <p:txBody>
+          <a:bodyPr rtlCol="0" anchor="ctr"/>
+          <a:lstStyle/>
+          <a:p>
+            <a:pPr algn="ctr"/>
+            <a:r>
+              <a:rPr lang="en-US" dirty="0" smtClean="0">
+                <a:ln w="0"/>
+                <a:solidFill>
+                  <a:schemeClr val="tx1"/>
+                </a:solidFill>
+                <a:effectLst>
+                  <a:outerShdw blurRad="38100" dist="19050" dir="2700000" algn="tl" rotWithShape="0">
+                    <a:schemeClr val="dk1">
+                      <a:alpha val="40000"/>
+                    </a:schemeClr>
+                  </a:outerShdw>
+                </a:effectLst>
+                <a:latin typeface="Times New Roman" panose="02020603050405020304" pitchFamily="18" charset="0"/>
+                <a:cs typeface="Times New Roman" panose="02020603050405020304" pitchFamily="18" charset="0"/>
+              </a:rPr>
+              <a:t>DDS</a:t>
+            </a:r>
+            <a:endParaRPr lang="en-US" dirty="0">
+              <a:latin typeface="Times New Roman" panose="02020603050405020304" pitchFamily="18" charset="0"/>
+              <a:cs typeface="Times New Roman" panose="02020603050405020304" pitchFamily="18" charset="0"/>
+            </a:endParaRPr>
+          </a:p>
+        </p:txBody>
+      </p:sp>
+      <p:cxnSp>
+        <p:nvCxnSpPr>
+          <p:cNvPr id="163" name="Straight Arrow Connector 162"/>
+          <p:cNvCxnSpPr>
+            <a:stCxn id="156" idx="3"/>
+            <a:endCxn id="155" idx="1"/>
+          </p:cNvCxnSpPr>
+          <p:nvPr/>
+        </p:nvCxnSpPr>
+        <p:spPr>
+          <a:xfrm flipV="1">
+            <a:off x="6153065" y="3221855"/>
+            <a:ext cx="565755" cy="2630"/>
+          </a:xfrm>
+          <a:prstGeom prst="straightConnector1">
+            <a:avLst/>
+          </a:prstGeom>
+          <a:ln w="12700">
+            <a:solidFill>
+              <a:schemeClr val="tx1"/>
+            </a:solidFill>
+            <a:headEnd type="triangle" w="med" len="med"/>
+            <a:tailEnd type="none" w="med" len="med"/>
+          </a:ln>
+        </p:spPr>
+        <p:style>
+          <a:lnRef idx="1">
+            <a:schemeClr val="accent1"/>
+          </a:lnRef>
+          <a:fillRef idx="0">
+            <a:schemeClr val="accent1"/>
+          </a:fillRef>
+          <a:effectRef idx="0">
+            <a:schemeClr val="accent1"/>
+          </a:effectRef>
+          <a:fontRef idx="minor">
+            <a:schemeClr val="tx1"/>
+          </a:fontRef>
+        </p:style>
+      </p:cxnSp>
+      <p:cxnSp>
+        <p:nvCxnSpPr>
+          <p:cNvPr id="165" name="Straight Arrow Connector 164"/>
+          <p:cNvCxnSpPr>
+            <a:stCxn id="159" idx="3"/>
+            <a:endCxn id="156" idx="0"/>
+          </p:cNvCxnSpPr>
+          <p:nvPr/>
+        </p:nvCxnSpPr>
+        <p:spPr>
+          <a:xfrm>
+            <a:off x="4954741" y="3224485"/>
+            <a:ext cx="567388" cy="0"/>
+          </a:xfrm>
+          <a:prstGeom prst="straightConnector1">
+            <a:avLst/>
+          </a:prstGeom>
+          <a:ln w="12700">
+            <a:solidFill>
+              <a:schemeClr val="tx1"/>
+            </a:solidFill>
+            <a:headEnd type="triangle" w="med" len="med"/>
+            <a:tailEnd type="none" w="med" len="med"/>
+          </a:ln>
+        </p:spPr>
+        <p:style>
+          <a:lnRef idx="1">
+            <a:schemeClr val="accent1"/>
+          </a:lnRef>
+          <a:fillRef idx="0">
+            <a:schemeClr val="accent1"/>
+          </a:fillRef>
+          <a:effectRef idx="0">
+            <a:schemeClr val="accent1"/>
+          </a:effectRef>
+          <a:fontRef idx="minor">
+            <a:schemeClr val="tx1"/>
+          </a:fontRef>
+        </p:style>
+      </p:cxnSp>
+      <p:pic>
+        <p:nvPicPr>
+          <p:cNvPr id="176" name="Picture 175"/>
+          <p:cNvPicPr>
+            <a:picLocks noChangeAspect="1"/>
+          </p:cNvPicPr>
+          <p:nvPr>
+            <p:custDataLst>
+              <p:tags r:id="rId4"/>
+            </p:custDataLst>
+          </p:nvPr>
+        </p:nvPicPr>
+        <p:blipFill>
+          <a:blip r:embed="rId15" cstate="print">
+            <a:extLst>
+              <a:ext uri="{28A0092B-C50C-407E-A947-70E740481C1C}">
+                <a14:useLocalDpi xmlns:a14="http://schemas.microsoft.com/office/drawing/2010/main" val="0"/>
+              </a:ext>
+            </a:extLst>
+          </a:blip>
+          <a:stretch>
+            <a:fillRect/>
+          </a:stretch>
+        </p:blipFill>
+        <p:spPr>
+          <a:xfrm>
+            <a:off x="6234847" y="2880393"/>
+            <a:ext cx="419048" cy="251429"/>
+          </a:xfrm>
+          <a:prstGeom prst="rect">
+            <a:avLst/>
+          </a:prstGeom>
+        </p:spPr>
+      </p:pic>
+      <p:pic>
+        <p:nvPicPr>
+          <p:cNvPr id="183" name="Picture 182"/>
+          <p:cNvPicPr>
+            <a:picLocks noChangeAspect="1"/>
+          </p:cNvPicPr>
+          <p:nvPr>
+            <p:custDataLst>
+              <p:tags r:id="rId5"/>
+            </p:custDataLst>
+          </p:nvPr>
+        </p:nvPicPr>
+        <p:blipFill>
+          <a:blip r:embed="rId16" cstate="print">
+            <a:extLst>
+              <a:ext uri="{28A0092B-C50C-407E-A947-70E740481C1C}">
+                <a14:useLocalDpi xmlns:a14="http://schemas.microsoft.com/office/drawing/2010/main" val="0"/>
+              </a:ext>
+            </a:extLst>
+          </a:blip>
+          <a:stretch>
+            <a:fillRect/>
+          </a:stretch>
+        </p:blipFill>
+        <p:spPr>
+          <a:xfrm>
+            <a:off x="2819241" y="2722006"/>
+            <a:ext cx="621713" cy="265143"/>
+          </a:xfrm>
+          <a:prstGeom prst="rect">
+            <a:avLst/>
+          </a:prstGeom>
+        </p:spPr>
+      </p:pic>
+      <p:cxnSp>
+        <p:nvCxnSpPr>
+          <p:cNvPr id="189" name="Straight Arrow Connector 188"/>
+          <p:cNvCxnSpPr/>
+          <p:nvPr/>
+        </p:nvCxnSpPr>
+        <p:spPr>
+          <a:xfrm>
+            <a:off x="9034313" y="1375394"/>
+            <a:ext cx="684323" cy="0"/>
+          </a:xfrm>
+          <a:prstGeom prst="straightConnector1">
+            <a:avLst/>
+          </a:prstGeom>
+          <a:ln w="12700">
+            <a:solidFill>
+              <a:schemeClr val="tx1"/>
+            </a:solidFill>
+            <a:tailEnd type="triangle"/>
+          </a:ln>
+        </p:spPr>
+        <p:style>
+          <a:lnRef idx="1">
+            <a:schemeClr val="accent1"/>
+          </a:lnRef>
+          <a:fillRef idx="0">
+            <a:schemeClr val="accent1"/>
+          </a:fillRef>
+          <a:effectRef idx="0">
+            <a:schemeClr val="accent1"/>
+          </a:effectRef>
+          <a:fontRef idx="minor">
+            <a:schemeClr val="tx1"/>
+          </a:fontRef>
+        </p:style>
+      </p:cxnSp>
+      <p:pic>
+        <p:nvPicPr>
+          <p:cNvPr id="192" name="Picture 191"/>
+          <p:cNvPicPr>
+            <a:picLocks noChangeAspect="1"/>
+          </p:cNvPicPr>
+          <p:nvPr>
+            <p:custDataLst>
+              <p:tags r:id="rId6"/>
+            </p:custDataLst>
+          </p:nvPr>
+        </p:nvPicPr>
+        <p:blipFill>
+          <a:blip r:embed="rId17" cstate="print">
+            <a:extLst>
+              <a:ext uri="{28A0092B-C50C-407E-A947-70E740481C1C}">
+                <a14:useLocalDpi xmlns:a14="http://schemas.microsoft.com/office/drawing/2010/main" val="0"/>
+              </a:ext>
+            </a:extLst>
+          </a:blip>
+          <a:stretch>
+            <a:fillRect/>
+          </a:stretch>
+        </p:blipFill>
+        <p:spPr>
+          <a:xfrm>
+            <a:off x="11267997" y="2054898"/>
+            <a:ext cx="435809" cy="251429"/>
+          </a:xfrm>
+          <a:prstGeom prst="rect">
+            <a:avLst/>
+          </a:prstGeom>
+        </p:spPr>
+      </p:pic>
+      <p:pic>
+        <p:nvPicPr>
+          <p:cNvPr id="8" name="Picture 7"/>
+          <p:cNvPicPr>
+            <a:picLocks noChangeAspect="1"/>
+          </p:cNvPicPr>
+          <p:nvPr>
+            <p:custDataLst>
+              <p:tags r:id="rId7"/>
+            </p:custDataLst>
+          </p:nvPr>
+        </p:nvPicPr>
+        <p:blipFill>
+          <a:blip r:embed="rId18" cstate="print">
+            <a:extLst>
+              <a:ext uri="{28A0092B-C50C-407E-A947-70E740481C1C}">
+                <a14:useLocalDpi xmlns:a14="http://schemas.microsoft.com/office/drawing/2010/main" val="0"/>
+              </a:ext>
+            </a:extLst>
+          </a:blip>
+          <a:stretch>
+            <a:fillRect/>
+          </a:stretch>
+        </p:blipFill>
+        <p:spPr>
+          <a:xfrm>
+            <a:off x="1905000" y="1249680"/>
+            <a:ext cx="557714" cy="251429"/>
+          </a:xfrm>
+          <a:prstGeom prst="rect">
+            <a:avLst/>
+          </a:prstGeom>
+          <a:ln w="12700">
+            <a:noFill/>
+          </a:ln>
+        </p:spPr>
+      </p:pic>
+      <p:pic>
+        <p:nvPicPr>
+          <p:cNvPr id="9" name="Picture 8"/>
+          <p:cNvPicPr>
+            <a:picLocks noChangeAspect="1"/>
+          </p:cNvPicPr>
+          <p:nvPr>
+            <p:custDataLst>
+              <p:tags r:id="rId8"/>
+            </p:custDataLst>
+          </p:nvPr>
+        </p:nvPicPr>
+        <p:blipFill>
+          <a:blip r:embed="rId19" cstate="print">
+            <a:extLst>
+              <a:ext uri="{28A0092B-C50C-407E-A947-70E740481C1C}">
+                <a14:useLocalDpi xmlns:a14="http://schemas.microsoft.com/office/drawing/2010/main" val="0"/>
+              </a:ext>
+            </a:extLst>
+          </a:blip>
+          <a:stretch>
+            <a:fillRect/>
+          </a:stretch>
+        </p:blipFill>
+        <p:spPr>
+          <a:xfrm>
+            <a:off x="4020188" y="1066800"/>
+            <a:ext cx="524190" cy="251429"/>
+          </a:xfrm>
+          <a:prstGeom prst="rect">
+            <a:avLst/>
+          </a:prstGeom>
+          <a:ln w="12700">
+            <a:noFill/>
+          </a:ln>
+        </p:spPr>
+      </p:pic>
+      <p:cxnSp>
+        <p:nvCxnSpPr>
+          <p:cNvPr id="145" name="Straight Connector 144"/>
+          <p:cNvCxnSpPr/>
+          <p:nvPr/>
+        </p:nvCxnSpPr>
+        <p:spPr>
+          <a:xfrm>
+            <a:off x="8125856" y="1375394"/>
+            <a:ext cx="673915" cy="1"/>
+          </a:xfrm>
+          <a:prstGeom prst="line">
+            <a:avLst/>
+          </a:prstGeom>
+          <a:ln w="12700">
+            <a:solidFill>
+              <a:schemeClr val="tx1"/>
+            </a:solidFill>
+          </a:ln>
+        </p:spPr>
+        <p:style>
+          <a:lnRef idx="1">
+            <a:schemeClr val="accent1"/>
+          </a:lnRef>
+          <a:fillRef idx="0">
+            <a:schemeClr val="accent1"/>
+          </a:fillRef>
+          <a:effectRef idx="0">
+            <a:schemeClr val="accent1"/>
+          </a:effectRef>
+          <a:fontRef idx="minor">
+            <a:schemeClr val="tx1"/>
+          </a:fontRef>
+        </p:style>
+      </p:cxnSp>
+      <p:cxnSp>
+        <p:nvCxnSpPr>
+          <p:cNvPr id="147" name="Straight Connector 146"/>
+          <p:cNvCxnSpPr/>
+          <p:nvPr/>
+        </p:nvCxnSpPr>
+        <p:spPr>
+          <a:xfrm>
+            <a:off x="8462813" y="1143597"/>
+            <a:ext cx="0" cy="463595"/>
+          </a:xfrm>
+          <a:prstGeom prst="line">
+            <a:avLst/>
+          </a:prstGeom>
+          <a:ln w="19050">
+            <a:solidFill>
+              <a:schemeClr val="tx1"/>
+            </a:solidFill>
+          </a:ln>
+        </p:spPr>
+        <p:style>
+          <a:lnRef idx="1">
+            <a:schemeClr val="accent1"/>
+          </a:lnRef>
+          <a:fillRef idx="0">
+            <a:schemeClr val="accent1"/>
+          </a:fillRef>
+          <a:effectRef idx="0">
+            <a:schemeClr val="accent1"/>
+          </a:effectRef>
+          <a:fontRef idx="minor">
+            <a:schemeClr val="tx1"/>
+          </a:fontRef>
+        </p:style>
+      </p:cxnSp>
+      <p:cxnSp>
+        <p:nvCxnSpPr>
+          <p:cNvPr id="146" name="Straight Connector 145"/>
+          <p:cNvCxnSpPr/>
+          <p:nvPr/>
+        </p:nvCxnSpPr>
+        <p:spPr>
+          <a:xfrm rot="10800000" flipH="1">
+            <a:off x="8461176" y="1150047"/>
+            <a:ext cx="310196" cy="0"/>
+          </a:xfrm>
+          <a:prstGeom prst="line">
+            <a:avLst/>
+          </a:prstGeom>
+          <a:ln w="19050">
+            <a:solidFill>
+              <a:schemeClr val="tx1"/>
+            </a:solidFill>
+          </a:ln>
+        </p:spPr>
+        <p:style>
+          <a:lnRef idx="1">
+            <a:schemeClr val="accent1"/>
+          </a:lnRef>
+          <a:fillRef idx="0">
+            <a:schemeClr val="accent1"/>
+          </a:fillRef>
+          <a:effectRef idx="0">
+            <a:schemeClr val="accent1"/>
+          </a:effectRef>
+          <a:fontRef idx="minor">
+            <a:schemeClr val="tx1"/>
+          </a:fontRef>
+        </p:style>
+      </p:cxnSp>
+      <p:cxnSp>
+        <p:nvCxnSpPr>
+          <p:cNvPr id="149" name="Straight Connector 148"/>
+          <p:cNvCxnSpPr/>
+          <p:nvPr/>
+        </p:nvCxnSpPr>
+        <p:spPr>
+          <a:xfrm flipH="1">
+            <a:off x="8154254" y="1600742"/>
+            <a:ext cx="310196" cy="0"/>
+          </a:xfrm>
+          <a:prstGeom prst="line">
+            <a:avLst/>
+          </a:prstGeom>
+          <a:ln w="19050">
+            <a:solidFill>
+              <a:schemeClr val="tx1"/>
+            </a:solidFill>
+          </a:ln>
+        </p:spPr>
+        <p:style>
+          <a:lnRef idx="1">
+            <a:schemeClr val="accent1"/>
+          </a:lnRef>
+          <a:fillRef idx="0">
+            <a:schemeClr val="accent1"/>
+          </a:fillRef>
+          <a:effectRef idx="0">
+            <a:schemeClr val="accent1"/>
+          </a:effectRef>
+          <a:fontRef idx="minor">
+            <a:schemeClr val="tx1"/>
+          </a:fontRef>
+        </p:style>
+      </p:cxnSp>
+      <p:cxnSp>
+        <p:nvCxnSpPr>
+          <p:cNvPr id="150" name="Straight Connector 149"/>
+          <p:cNvCxnSpPr/>
+          <p:nvPr/>
+        </p:nvCxnSpPr>
+        <p:spPr>
+          <a:xfrm rot="10800000">
+            <a:off x="8462813" y="1143597"/>
+            <a:ext cx="0" cy="463595"/>
+          </a:xfrm>
+          <a:prstGeom prst="line">
+            <a:avLst/>
+          </a:prstGeom>
+          <a:ln w="19050">
+            <a:solidFill>
+              <a:schemeClr val="tx1"/>
+            </a:solidFill>
+          </a:ln>
+        </p:spPr>
+        <p:style>
+          <a:lnRef idx="1">
+            <a:schemeClr val="accent1"/>
+          </a:lnRef>
+          <a:fillRef idx="0">
+            <a:schemeClr val="accent1"/>
+          </a:fillRef>
+          <a:effectRef idx="0">
+            <a:schemeClr val="accent1"/>
+          </a:effectRef>
+          <a:fontRef idx="minor">
+            <a:schemeClr val="tx1"/>
+          </a:fontRef>
+        </p:style>
+      </p:cxnSp>
+      <p:cxnSp>
+        <p:nvCxnSpPr>
+          <p:cNvPr id="127" name="Straight Connector 126"/>
+          <p:cNvCxnSpPr/>
+          <p:nvPr/>
+        </p:nvCxnSpPr>
+        <p:spPr>
+          <a:xfrm rot="16200000">
+            <a:off x="8125856" y="1375394"/>
+            <a:ext cx="673915" cy="1"/>
+          </a:xfrm>
+          <a:prstGeom prst="line">
+            <a:avLst/>
+          </a:prstGeom>
+          <a:ln w="12700">
+            <a:solidFill>
+              <a:schemeClr val="tx1"/>
+            </a:solidFill>
+          </a:ln>
+        </p:spPr>
+        <p:style>
+          <a:lnRef idx="1">
+            <a:schemeClr val="accent1"/>
+          </a:lnRef>
+          <a:fillRef idx="0">
+            <a:schemeClr val="accent1"/>
+          </a:fillRef>
+          <a:effectRef idx="0">
+            <a:schemeClr val="accent1"/>
+          </a:effectRef>
+          <a:fontRef idx="minor">
+            <a:schemeClr val="tx1"/>
+          </a:fontRef>
+        </p:style>
+      </p:cxnSp>
+      <p:sp>
+        <p:nvSpPr>
+          <p:cNvPr id="135" name="Rectangle 134"/>
+          <p:cNvSpPr/>
+          <p:nvPr/>
+        </p:nvSpPr>
+        <p:spPr>
+          <a:xfrm>
+            <a:off x="6718820" y="1086310"/>
+            <a:ext cx="1143000" cy="285290"/>
+          </a:xfrm>
+          <a:prstGeom prst="rect">
+            <a:avLst/>
+          </a:prstGeom>
+          <a:noFill/>
+          <a:ln>
+            <a:noFill/>
+          </a:ln>
+        </p:spPr>
+        <p:style>
+          <a:lnRef idx="2">
+            <a:schemeClr val="accent1">
+              <a:shade val="50000"/>
+            </a:schemeClr>
+          </a:lnRef>
+          <a:fillRef idx="1">
+            <a:schemeClr val="accent1"/>
+          </a:fillRef>
+          <a:effectRef idx="0">
+            <a:schemeClr val="accent1"/>
+          </a:effectRef>
+          <a:fontRef idx="minor">
+            <a:schemeClr val="lt1"/>
+          </a:fontRef>
+        </p:style>
+        <p:txBody>
+          <a:bodyPr rtlCol="0" anchor="ctr"/>
+          <a:lstStyle/>
+          <a:p>
+            <a:pPr algn="ctr"/>
+            <a:endParaRPr lang="en-US" dirty="0">
+              <a:latin typeface="Times New Roman" panose="02020603050405020304" pitchFamily="18" charset="0"/>
+              <a:cs typeface="Times New Roman" panose="02020603050405020304" pitchFamily="18" charset="0"/>
+            </a:endParaRPr>
+          </a:p>
+        </p:txBody>
+      </p:sp>
+      <p:sp>
+        <p:nvSpPr>
+          <p:cNvPr id="2" name="Trapezoid 1"/>
+          <p:cNvSpPr/>
+          <p:nvPr/>
+        </p:nvSpPr>
+        <p:spPr>
+          <a:xfrm rot="5400000" flipV="1">
+            <a:off x="7896599" y="2983581"/>
+            <a:ext cx="1129154" cy="476548"/>
+          </a:xfrm>
+          <a:prstGeom prst="trapezoid">
+            <a:avLst>
+              <a:gd name="adj" fmla="val 45113"/>
+            </a:avLst>
+          </a:prstGeom>
+          <a:solidFill>
+            <a:schemeClr val="bg1">
+              <a:lumMod val="95000"/>
+            </a:schemeClr>
+          </a:solidFill>
+          <a:ln>
+            <a:solidFill>
+              <a:schemeClr val="tx1"/>
+            </a:solidFill>
+          </a:ln>
+        </p:spPr>
+        <p:style>
+          <a:lnRef idx="2">
+            <a:schemeClr val="accent1">
+              <a:shade val="50000"/>
+            </a:schemeClr>
+          </a:lnRef>
+          <a:fillRef idx="1">
+            <a:schemeClr val="accent1"/>
+          </a:fillRef>
+          <a:effectRef idx="0">
+            <a:schemeClr val="accent1"/>
+          </a:effectRef>
+          <a:fontRef idx="minor">
+            <a:schemeClr val="lt1"/>
+          </a:fontRef>
+        </p:style>
+        <p:txBody>
+          <a:bodyPr rtlCol="0" anchor="ctr"/>
+          <a:lstStyle/>
+          <a:p>
+            <a:pPr algn="ctr"/>
+            <a:r>
+              <a:rPr lang="en-US" dirty="0" smtClean="0">
+                <a:ln w="0"/>
+                <a:solidFill>
+                  <a:schemeClr val="tx1"/>
+                </a:solidFill>
+                <a:effectLst>
+                  <a:outerShdw blurRad="38100" dist="19050" dir="2700000" algn="tl" rotWithShape="0">
+                    <a:schemeClr val="dk1">
+                      <a:alpha val="40000"/>
+                    </a:schemeClr>
+                  </a:outerShdw>
+                </a:effectLst>
+                <a:latin typeface="Times New Roman" panose="02020603050405020304" pitchFamily="18" charset="0"/>
+                <a:cs typeface="Times New Roman" panose="02020603050405020304" pitchFamily="18" charset="0"/>
+              </a:rPr>
+              <a:t>MUX</a:t>
+            </a:r>
+            <a:endParaRPr lang="en-US" dirty="0">
+              <a:latin typeface="Times New Roman" panose="02020603050405020304" pitchFamily="18" charset="0"/>
+              <a:cs typeface="Times New Roman" panose="02020603050405020304" pitchFamily="18" charset="0"/>
+            </a:endParaRPr>
+          </a:p>
+        </p:txBody>
+      </p:sp>
+      <p:cxnSp>
+        <p:nvCxnSpPr>
+          <p:cNvPr id="39" name="Elbow Connector 38"/>
+          <p:cNvCxnSpPr/>
+          <p:nvPr/>
+        </p:nvCxnSpPr>
+        <p:spPr>
+          <a:xfrm flipV="1">
+            <a:off x="8702884" y="1381845"/>
+            <a:ext cx="678353" cy="1549040"/>
+          </a:xfrm>
+          <a:prstGeom prst="bentConnector2">
+            <a:avLst/>
+          </a:prstGeom>
+          <a:ln w="12700">
+            <a:solidFill>
+              <a:schemeClr val="tx1"/>
+            </a:solidFill>
+            <a:headEnd type="triangle" w="med" len="med"/>
+            <a:tailEnd type="none" w="med" len="med"/>
+          </a:ln>
+        </p:spPr>
+        <p:style>
+          <a:lnRef idx="1">
+            <a:schemeClr val="accent1"/>
+          </a:lnRef>
+          <a:fillRef idx="0">
+            <a:schemeClr val="accent1"/>
+          </a:fillRef>
+          <a:effectRef idx="0">
+            <a:schemeClr val="accent1"/>
+          </a:effectRef>
+          <a:fontRef idx="minor">
+            <a:schemeClr val="tx1"/>
+          </a:fontRef>
+        </p:style>
+      </p:cxnSp>
+      <p:pic>
+        <p:nvPicPr>
+          <p:cNvPr id="5" name="Picture 4"/>
+          <p:cNvPicPr>
+            <a:picLocks noChangeAspect="1"/>
+          </p:cNvPicPr>
+          <p:nvPr>
+            <p:custDataLst>
+              <p:tags r:id="rId9"/>
+            </p:custDataLst>
+          </p:nvPr>
+        </p:nvPicPr>
+        <p:blipFill>
+          <a:blip r:embed="rId20" cstate="print">
+            <a:extLst>
+              <a:ext uri="{28A0092B-C50C-407E-A947-70E740481C1C}">
+                <a14:useLocalDpi xmlns:a14="http://schemas.microsoft.com/office/drawing/2010/main" val="0"/>
+              </a:ext>
+            </a:extLst>
+          </a:blip>
+          <a:stretch>
+            <a:fillRect/>
+          </a:stretch>
+        </p:blipFill>
+        <p:spPr>
+          <a:xfrm>
+            <a:off x="9801147" y="3372186"/>
+            <a:ext cx="447999" cy="251429"/>
+          </a:xfrm>
+          <a:prstGeom prst="rect">
+            <a:avLst/>
+          </a:prstGeom>
+        </p:spPr>
+      </p:pic>
+      <p:cxnSp>
+        <p:nvCxnSpPr>
+          <p:cNvPr id="44" name="Straight Arrow Connector 43"/>
+          <p:cNvCxnSpPr/>
+          <p:nvPr/>
+        </p:nvCxnSpPr>
+        <p:spPr>
+          <a:xfrm flipH="1">
+            <a:off x="8707859" y="3497900"/>
+            <a:ext cx="1010777" cy="0"/>
+          </a:xfrm>
+          <a:prstGeom prst="straightConnector1">
+            <a:avLst/>
+          </a:prstGeom>
+          <a:ln w="12700">
+            <a:solidFill>
+              <a:schemeClr val="tx1"/>
+            </a:solidFill>
+            <a:tailEnd type="triangle"/>
+          </a:ln>
+        </p:spPr>
+        <p:style>
+          <a:lnRef idx="1">
+            <a:schemeClr val="accent1"/>
+          </a:lnRef>
+          <a:fillRef idx="0">
+            <a:schemeClr val="accent1"/>
+          </a:fillRef>
+          <a:effectRef idx="0">
+            <a:schemeClr val="accent1"/>
+          </a:effectRef>
+          <a:fontRef idx="minor">
+            <a:schemeClr val="tx1"/>
+          </a:fontRef>
+        </p:style>
+      </p:cxnSp>
+      <p:cxnSp>
+        <p:nvCxnSpPr>
+          <p:cNvPr id="47" name="Straight Arrow Connector 46"/>
+          <p:cNvCxnSpPr>
+            <a:stCxn id="2" idx="0"/>
+            <a:endCxn id="155" idx="3"/>
+          </p:cNvCxnSpPr>
+          <p:nvPr/>
+        </p:nvCxnSpPr>
+        <p:spPr>
+          <a:xfrm flipH="1">
+            <a:off x="7861820" y="3221855"/>
+            <a:ext cx="361082" cy="0"/>
+          </a:xfrm>
+          <a:prstGeom prst="straightConnector1">
+            <a:avLst/>
+          </a:prstGeom>
+          <a:ln w="12700">
+            <a:solidFill>
+              <a:schemeClr val="tx1"/>
+            </a:solidFill>
+            <a:tailEnd type="triangle"/>
+          </a:ln>
+        </p:spPr>
+        <p:style>
+          <a:lnRef idx="1">
+            <a:schemeClr val="accent1"/>
+          </a:lnRef>
+          <a:fillRef idx="0">
+            <a:schemeClr val="accent1"/>
+          </a:fillRef>
+          <a:effectRef idx="0">
+            <a:schemeClr val="accent1"/>
+          </a:effectRef>
+          <a:fontRef idx="minor">
+            <a:schemeClr val="tx1"/>
+          </a:fontRef>
+        </p:style>
+      </p:cxnSp>
+      <p:pic>
+        <p:nvPicPr>
+          <p:cNvPr id="50" name="Picture 49"/>
+          <p:cNvPicPr>
+            <a:picLocks noChangeAspect="1"/>
+          </p:cNvPicPr>
+          <p:nvPr>
+            <p:custDataLst>
+              <p:tags r:id="rId10"/>
+            </p:custDataLst>
+          </p:nvPr>
+        </p:nvPicPr>
+        <p:blipFill>
+          <a:blip r:embed="rId12" cstate="print">
+            <a:extLst>
+              <a:ext uri="{28A0092B-C50C-407E-A947-70E740481C1C}">
+                <a14:useLocalDpi xmlns:a14="http://schemas.microsoft.com/office/drawing/2010/main" val="0"/>
+              </a:ext>
+            </a:extLst>
+          </a:blip>
+          <a:stretch>
+            <a:fillRect/>
+          </a:stretch>
+        </p:blipFill>
+        <p:spPr>
+          <a:xfrm>
+            <a:off x="9717387" y="4859795"/>
+            <a:ext cx="5958083" cy="1063620"/>
+          </a:xfrm>
+          <a:prstGeom prst="rect">
+            <a:avLst/>
+          </a:prstGeom>
+        </p:spPr>
+      </p:pic>
+      <p:sp>
+        <p:nvSpPr>
+          <p:cNvPr id="51" name="Trapezoid 50"/>
+          <p:cNvSpPr/>
+          <p:nvPr/>
+        </p:nvSpPr>
+        <p:spPr>
+          <a:xfrm rot="16200000" flipV="1">
+            <a:off x="9628231" y="1910657"/>
+            <a:ext cx="1129154" cy="476548"/>
+          </a:xfrm>
+          <a:prstGeom prst="trapezoid">
+            <a:avLst>
+              <a:gd name="adj" fmla="val 45113"/>
+            </a:avLst>
+          </a:prstGeom>
+          <a:solidFill>
+            <a:schemeClr val="bg1">
+              <a:lumMod val="95000"/>
+            </a:schemeClr>
+          </a:solidFill>
+          <a:ln>
+            <a:solidFill>
+              <a:schemeClr val="tx1"/>
+            </a:solidFill>
+          </a:ln>
+        </p:spPr>
+        <p:style>
+          <a:lnRef idx="2">
+            <a:schemeClr val="accent1">
+              <a:shade val="50000"/>
+            </a:schemeClr>
+          </a:lnRef>
+          <a:fillRef idx="1">
+            <a:schemeClr val="accent1"/>
+          </a:fillRef>
+          <a:effectRef idx="0">
+            <a:schemeClr val="accent1"/>
+          </a:effectRef>
+          <a:fontRef idx="minor">
+            <a:schemeClr val="lt1"/>
+          </a:fontRef>
+        </p:style>
+        <p:txBody>
+          <a:bodyPr rtlCol="0" anchor="ctr"/>
+          <a:lstStyle/>
+          <a:p>
+            <a:pPr algn="ctr"/>
+            <a:r>
+              <a:rPr lang="en-US" dirty="0" smtClean="0">
+                <a:ln w="0"/>
+                <a:solidFill>
+                  <a:schemeClr val="tx1"/>
+                </a:solidFill>
+                <a:effectLst>
+                  <a:outerShdw blurRad="38100" dist="19050" dir="2700000" algn="tl" rotWithShape="0">
+                    <a:schemeClr val="dk1">
+                      <a:alpha val="40000"/>
+                    </a:schemeClr>
+                  </a:outerShdw>
+                </a:effectLst>
+                <a:latin typeface="Times New Roman" panose="02020603050405020304" pitchFamily="18" charset="0"/>
+                <a:cs typeface="Times New Roman" panose="02020603050405020304" pitchFamily="18" charset="0"/>
+              </a:rPr>
+              <a:t>MUX</a:t>
+            </a:r>
+            <a:endParaRPr lang="en-US" dirty="0">
+              <a:latin typeface="Times New Roman" panose="02020603050405020304" pitchFamily="18" charset="0"/>
+              <a:cs typeface="Times New Roman" panose="02020603050405020304" pitchFamily="18" charset="0"/>
+            </a:endParaRPr>
+          </a:p>
+        </p:txBody>
+      </p:sp>
+    </p:spTree>
+    <p:extLst>
+      <p:ext uri="{BB962C8B-B14F-4D97-AF65-F5344CB8AC3E}">
+        <p14:creationId xmlns:p14="http://schemas.microsoft.com/office/powerpoint/2010/main" val="880782969"/>
+      </p:ext>
+    </p:extLst>
+  </p:cSld>
+  <p:clrMapOvr>
+    <a:masterClrMapping/>
+  </p:clrMapOvr>
+  <p:timing>
+    <p:tnLst>
+      <p:par>
+        <p:cTn id="1" dur="indefinite" restart="never" nodeType="tmRoot"/>
+      </p:par>
+    </p:tnLst>
+  </p:timing>
+</p:sld>
+</file>
+
+<file path=ppt/slides/slide4.xml><?xml version="1.0" encoding="utf-8"?>
+<p:sld xmlns:a="http://schemas.openxmlformats.org/drawingml/2006/main" xmlns:r="http://schemas.openxmlformats.org/officeDocument/2006/relationships" xmlns:p="http://schemas.openxmlformats.org/presentationml/2006/main">
+  <p:cSld>
+    <p:spTree>
+      <p:nvGrpSpPr>
+        <p:cNvPr id="1" name=""/>
+        <p:cNvGrpSpPr/>
+        <p:nvPr/>
+      </p:nvGrpSpPr>
+      <p:grpSpPr>
+        <a:xfrm>
+          <a:off x="0" y="0"/>
+          <a:ext cx="0" cy="0"/>
+          <a:chOff x="0" y="0"/>
+          <a:chExt cx="0" cy="0"/>
+        </a:xfrm>
+      </p:grpSpPr>
       <p:grpSp>
         <p:nvGrpSpPr>
-          <p:cNvPr id="22" name="Group 21"/>
+          <p:cNvPr id="32" name="Group 31"/>
           <p:cNvGrpSpPr/>
           <p:nvPr/>
         </p:nvGrpSpPr>
         <p:grpSpPr>
           <a:xfrm>
             <a:off x="1905000" y="803894"/>
-            <a:ext cx="8331956" cy="5250213"/>
+            <a:ext cx="9503609" cy="4377706"/>
             <a:chOff x="1905000" y="803894"/>
-            <a:chExt cx="8331956" cy="5250213"/>
+            <a:chExt cx="9503609" cy="4377706"/>
           </a:xfrm>
         </p:grpSpPr>
         <p:pic>
           <p:nvPicPr>
-            <p:cNvPr id="15" name="Picture 14"/>
+            <p:cNvPr id="16" name="Picture 15"/>
             <p:cNvPicPr>
               <a:picLocks noChangeAspect="1"/>
             </p:cNvPicPr>
@@ -24969,7 +26436,7 @@
             </p:nvPr>
           </p:nvPicPr>
           <p:blipFill>
-            <a:blip r:embed="rId10" cstate="print">
+            <a:blip r:embed="rId14" cstate="print">
               <a:extLst>
                 <a:ext uri="{28A0092B-C50C-407E-A947-70E740481C1C}">
                   <a14:useLocalDpi xmlns:a14="http://schemas.microsoft.com/office/drawing/2010/main" val="0"/>
@@ -24982,41 +26449,7 @@
           </p:blipFill>
           <p:spPr>
             <a:xfrm>
-              <a:off x="3091937" y="4013807"/>
-              <a:ext cx="5958083" cy="1063620"/>
-            </a:xfrm>
-            <a:prstGeom prst="rect">
-              <a:avLst/>
-            </a:prstGeom>
-          </p:spPr>
-        </p:pic>
-        <p:pic>
-          <p:nvPicPr>
-            <p:cNvPr id="16" name="Picture 15"/>
-            <p:cNvPicPr>
-              <a:picLocks noChangeAspect="1"/>
-            </p:cNvPicPr>
-            <p:nvPr>
-              <p:custDataLst>
-                <p:tags r:id="rId2"/>
-              </p:custDataLst>
-            </p:nvPr>
-          </p:nvPicPr>
-          <p:blipFill>
-            <a:blip r:embed="rId11" cstate="print">
-              <a:extLst>
-                <a:ext uri="{28A0092B-C50C-407E-A947-70E740481C1C}">
-                  <a14:useLocalDpi xmlns:a14="http://schemas.microsoft.com/office/drawing/2010/main" val="0"/>
-                </a:ext>
-              </a:extLst>
-            </a:blip>
-            <a:stretch>
-              <a:fillRect/>
-            </a:stretch>
-          </p:blipFill>
-          <p:spPr>
-            <a:xfrm>
-              <a:off x="2941081" y="5295249"/>
+              <a:off x="3526907" y="4422742"/>
               <a:ext cx="6259794" cy="758858"/>
             </a:xfrm>
             <a:prstGeom prst="rect">
@@ -25026,16 +26459,20 @@
         </p:pic>
         <p:grpSp>
           <p:nvGrpSpPr>
-            <p:cNvPr id="21" name="Group 20"/>
+            <p:cNvPr id="31" name="Group 30"/>
             <p:cNvGrpSpPr/>
-            <p:nvPr/>
+            <p:nvPr>
+              <p:custDataLst>
+                <p:tags r:id="rId2"/>
+              </p:custDataLst>
+            </p:nvPr>
           </p:nvGrpSpPr>
           <p:grpSpPr>
             <a:xfrm>
               <a:off x="1905000" y="803894"/>
-              <a:ext cx="8331956" cy="2992091"/>
+              <a:ext cx="9503609" cy="3463306"/>
               <a:chOff x="1905000" y="803894"/>
-              <a:chExt cx="8331956" cy="2992091"/>
+              <a:chExt cx="9503609" cy="3463306"/>
             </a:xfrm>
           </p:grpSpPr>
           <p:sp>
@@ -25193,7 +26630,7 @@
             <p:spPr>
               <a:xfrm>
                 <a:off x="7290320" y="1371600"/>
-                <a:ext cx="0" cy="1281385"/>
+                <a:ext cx="0" cy="1749970"/>
               </a:xfrm>
               <a:prstGeom prst="straightConnector1">
                 <a:avLst/>
@@ -25268,48 +26705,8 @@
             </p:nvCxnSpPr>
             <p:spPr>
               <a:xfrm rot="16200000" flipH="1">
-                <a:off x="2873265" y="2286008"/>
-                <a:ext cx="1582391" cy="294561"/>
-              </a:xfrm>
-              <a:prstGeom prst="bentConnector2">
-                <a:avLst/>
-              </a:prstGeom>
-              <a:ln w="12700">
-                <a:solidFill>
-                  <a:schemeClr val="tx1"/>
-                </a:solidFill>
-                <a:headEnd type="triangle" w="med" len="med"/>
-                <a:tailEnd type="none" w="med" len="med"/>
-              </a:ln>
-            </p:spPr>
-            <p:style>
-              <a:lnRef idx="1">
-                <a:schemeClr val="accent1"/>
-              </a:lnRef>
-              <a:fillRef idx="0">
-                <a:schemeClr val="accent1"/>
-              </a:fillRef>
-              <a:effectRef idx="0">
-                <a:schemeClr val="accent1"/>
-              </a:effectRef>
-              <a:fontRef idx="minor">
-                <a:schemeClr val="tx1"/>
-              </a:fontRef>
-            </p:style>
-          </p:cxnSp>
-          <p:cxnSp>
-            <p:nvCxnSpPr>
-              <p:cNvPr id="172" name="Elbow Connector 171"/>
-              <p:cNvCxnSpPr>
-                <a:stCxn id="155" idx="3"/>
-                <a:endCxn id="152" idx="2"/>
-              </p:cNvCxnSpPr>
-              <p:nvPr/>
-            </p:nvCxnSpPr>
-            <p:spPr>
-              <a:xfrm flipV="1">
-                <a:off x="7861820" y="1946894"/>
-                <a:ext cx="600993" cy="1277591"/>
+                <a:off x="2637657" y="2521616"/>
+                <a:ext cx="2053606" cy="294561"/>
               </a:xfrm>
               <a:prstGeom prst="bentConnector2">
                 <a:avLst/>
@@ -25345,7 +26742,7 @@
             </p:nvSpPr>
             <p:spPr>
               <a:xfrm>
-                <a:off x="6718820" y="2652985"/>
+                <a:off x="6718820" y="3121570"/>
                 <a:ext cx="1143000" cy="1143000"/>
               </a:xfrm>
               <a:prstGeom prst="rect">
@@ -25408,106 +26805,91 @@
               </a:p>
             </p:txBody>
           </p:sp>
-          <p:grpSp>
-            <p:nvGrpSpPr>
-              <p:cNvPr id="17" name="Group 16"/>
-              <p:cNvGrpSpPr/>
+          <p:sp>
+            <p:nvSpPr>
+              <p:cNvPr id="156" name="Isosceles Triangle 155"/>
+              <p:cNvSpPr/>
               <p:nvPr/>
-            </p:nvGrpSpPr>
-            <p:grpSpPr>
+            </p:nvSpPr>
+            <p:spPr>
+              <a:xfrm rot="16200000">
+                <a:off x="5522129" y="3380232"/>
+                <a:ext cx="630936" cy="630936"/>
+              </a:xfrm>
+              <a:prstGeom prst="triangle">
+                <a:avLst/>
+              </a:prstGeom>
+              <a:solidFill>
+                <a:schemeClr val="bg1">
+                  <a:lumMod val="95000"/>
+                </a:schemeClr>
+              </a:solidFill>
+              <a:ln>
+                <a:solidFill>
+                  <a:schemeClr val="tx1"/>
+                </a:solidFill>
+              </a:ln>
+            </p:spPr>
+            <p:style>
+              <a:lnRef idx="2">
+                <a:schemeClr val="accent1">
+                  <a:shade val="50000"/>
+                </a:schemeClr>
+              </a:lnRef>
+              <a:fillRef idx="1">
+                <a:schemeClr val="accent1"/>
+              </a:fillRef>
+              <a:effectRef idx="0">
+                <a:schemeClr val="accent1"/>
+              </a:effectRef>
+              <a:fontRef idx="minor">
+                <a:schemeClr val="lt1"/>
+              </a:fontRef>
+            </p:style>
+            <p:txBody>
+              <a:bodyPr rtlCol="0" anchor="ctr"/>
+              <a:lstStyle/>
+              <a:p>
+                <a:pPr algn="ctr"/>
+                <a:endParaRPr lang="en-US" dirty="0"/>
+              </a:p>
+            </p:txBody>
+          </p:sp>
+          <p:pic>
+            <p:nvPicPr>
+              <p:cNvPr id="157" name="Picture 156"/>
+              <p:cNvPicPr>
+                <a:picLocks noChangeAspect="1"/>
+              </p:cNvPicPr>
+              <p:nvPr>
+                <p:custDataLst>
+                  <p:tags r:id="rId3"/>
+                </p:custDataLst>
+              </p:nvPr>
+            </p:nvPicPr>
+            <p:blipFill>
+              <a:blip r:embed="rId15" cstate="print">
+                <a:extLst>
+                  <a:ext uri="{28A0092B-C50C-407E-A947-70E740481C1C}">
+                    <a14:useLocalDpi xmlns:a14="http://schemas.microsoft.com/office/drawing/2010/main" val="0"/>
+                  </a:ext>
+                </a:extLst>
+              </a:blip>
+              <a:stretch>
+                <a:fillRect/>
+              </a:stretch>
+            </p:blipFill>
+            <p:spPr>
               <a:xfrm>
-                <a:off x="5522129" y="2909017"/>
-                <a:ext cx="630936" cy="630936"/>
-                <a:chOff x="5550825" y="2909017"/>
-                <a:chExt cx="630936" cy="630936"/>
+                <a:off x="5820071" y="3594132"/>
+                <a:ext cx="279680" cy="203136"/>
               </a:xfrm>
-            </p:grpSpPr>
-            <p:sp>
-              <p:nvSpPr>
-                <p:cNvPr id="156" name="Isosceles Triangle 155"/>
-                <p:cNvSpPr/>
-                <p:nvPr/>
-              </p:nvSpPr>
-              <p:spPr>
-                <a:xfrm rot="16200000">
-                  <a:off x="5550825" y="2909017"/>
-                  <a:ext cx="630936" cy="630936"/>
-                </a:xfrm>
-                <a:prstGeom prst="triangle">
-                  <a:avLst/>
-                </a:prstGeom>
-                <a:solidFill>
-                  <a:schemeClr val="bg1">
-                    <a:lumMod val="95000"/>
-                  </a:schemeClr>
-                </a:solidFill>
-                <a:ln>
-                  <a:solidFill>
-                    <a:schemeClr val="tx1"/>
-                  </a:solidFill>
-                </a:ln>
-              </p:spPr>
-              <p:style>
-                <a:lnRef idx="2">
-                  <a:schemeClr val="accent1">
-                    <a:shade val="50000"/>
-                  </a:schemeClr>
-                </a:lnRef>
-                <a:fillRef idx="1">
-                  <a:schemeClr val="accent1"/>
-                </a:fillRef>
-                <a:effectRef idx="0">
-                  <a:schemeClr val="accent1"/>
-                </a:effectRef>
-                <a:fontRef idx="minor">
-                  <a:schemeClr val="lt1"/>
-                </a:fontRef>
-              </p:style>
-              <p:txBody>
-                <a:bodyPr rtlCol="0" anchor="ctr"/>
-                <a:lstStyle/>
-                <a:p>
-                  <a:pPr algn="ctr"/>
-                  <a:endParaRPr lang="en-US" dirty="0"/>
-                </a:p>
-              </p:txBody>
-            </p:sp>
-            <p:pic>
-              <p:nvPicPr>
-                <p:cNvPr id="157" name="Picture 156"/>
-                <p:cNvPicPr>
-                  <a:picLocks noChangeAspect="1"/>
-                </p:cNvPicPr>
-                <p:nvPr>
-                  <p:custDataLst>
-                    <p:tags r:id="rId8"/>
-                  </p:custDataLst>
-                </p:nvPr>
-              </p:nvPicPr>
-              <p:blipFill>
-                <a:blip r:embed="rId12" cstate="print">
-                  <a:extLst>
-                    <a:ext uri="{28A0092B-C50C-407E-A947-70E740481C1C}">
-                      <a14:useLocalDpi xmlns:a14="http://schemas.microsoft.com/office/drawing/2010/main" val="0"/>
-                    </a:ext>
-                  </a:extLst>
-                </a:blip>
-                <a:stretch>
-                  <a:fillRect/>
-                </a:stretch>
-              </p:blipFill>
-              <p:spPr>
-                <a:xfrm>
-                  <a:off x="5848767" y="3122917"/>
-                  <a:ext cx="279680" cy="203136"/>
-                </a:xfrm>
-                <a:prstGeom prst="rect">
-                  <a:avLst/>
-                </a:prstGeom>
-                <a:noFill/>
-              </p:spPr>
-            </p:pic>
-          </p:grpSp>
+              <a:prstGeom prst="rect">
+                <a:avLst/>
+              </a:prstGeom>
+              <a:noFill/>
+            </p:spPr>
+          </p:pic>
           <p:sp>
             <p:nvSpPr>
               <p:cNvPr id="159" name="Rectangle 158"/>
@@ -25516,7 +26898,7 @@
             </p:nvSpPr>
             <p:spPr>
               <a:xfrm>
-                <a:off x="3811741" y="2652985"/>
+                <a:off x="3811741" y="3124200"/>
                 <a:ext cx="1143000" cy="1143000"/>
               </a:xfrm>
               <a:prstGeom prst="rect">
@@ -25589,9 +26971,9 @@
               <p:nvPr/>
             </p:nvCxnSpPr>
             <p:spPr>
-              <a:xfrm>
-                <a:off x="6153065" y="3224485"/>
-                <a:ext cx="565755" cy="0"/>
+              <a:xfrm flipV="1">
+                <a:off x="6153065" y="3693070"/>
+                <a:ext cx="565755" cy="2630"/>
               </a:xfrm>
               <a:prstGeom prst="straightConnector1">
                 <a:avLst/>
@@ -25630,7 +27012,7 @@
             </p:nvCxnSpPr>
             <p:spPr>
               <a:xfrm>
-                <a:off x="4954741" y="3224485"/>
+                <a:off x="4954741" y="3695700"/>
                 <a:ext cx="567388" cy="0"/>
               </a:xfrm>
               <a:prstGeom prst="straightConnector1">
@@ -25667,12 +27049,12 @@
               </p:cNvPicPr>
               <p:nvPr>
                 <p:custDataLst>
-                  <p:tags r:id="rId3"/>
+                  <p:tags r:id="rId4"/>
                 </p:custDataLst>
               </p:nvPr>
             </p:nvPicPr>
             <p:blipFill>
-              <a:blip r:embed="rId13" cstate="print">
+              <a:blip r:embed="rId16" cstate="print">
                 <a:extLst>
                   <a:ext uri="{28A0092B-C50C-407E-A947-70E740481C1C}">
                     <a14:useLocalDpi xmlns:a14="http://schemas.microsoft.com/office/drawing/2010/main" val="0"/>
@@ -25685,7 +27067,7 @@
             </p:blipFill>
             <p:spPr>
               <a:xfrm>
-                <a:off x="6234847" y="2880393"/>
+                <a:off x="6234847" y="3351608"/>
                 <a:ext cx="419048" cy="251429"/>
               </a:xfrm>
               <a:prstGeom prst="rect">
@@ -25701,12 +27083,12 @@
               </p:cNvPicPr>
               <p:nvPr>
                 <p:custDataLst>
-                  <p:tags r:id="rId4"/>
+                  <p:tags r:id="rId5"/>
                 </p:custDataLst>
               </p:nvPr>
             </p:nvPicPr>
             <p:blipFill>
-              <a:blip r:embed="rId14" cstate="print">
+              <a:blip r:embed="rId17" cstate="print">
                 <a:extLst>
                   <a:ext uri="{28A0092B-C50C-407E-A947-70E740481C1C}">
                     <a14:useLocalDpi xmlns:a14="http://schemas.microsoft.com/office/drawing/2010/main" val="0"/>
@@ -25719,7 +27101,7 @@
             </p:blipFill>
             <p:spPr>
               <a:xfrm>
-                <a:off x="2819241" y="2722006"/>
+                <a:off x="2819241" y="3193221"/>
                 <a:ext cx="621713" cy="265143"/>
               </a:xfrm>
               <a:prstGeom prst="rect">
@@ -25727,42 +27109,6 @@
               </a:prstGeom>
             </p:spPr>
           </p:pic>
-          <p:cxnSp>
-            <p:nvCxnSpPr>
-              <p:cNvPr id="189" name="Straight Arrow Connector 188"/>
-              <p:cNvCxnSpPr/>
-              <p:nvPr/>
-            </p:nvCxnSpPr>
-            <p:spPr>
-              <a:xfrm>
-                <a:off x="9034313" y="1375394"/>
-                <a:ext cx="684323" cy="0"/>
-              </a:xfrm>
-              <a:prstGeom prst="straightConnector1">
-                <a:avLst/>
-              </a:prstGeom>
-              <a:ln w="12700">
-                <a:solidFill>
-                  <a:schemeClr val="tx1"/>
-                </a:solidFill>
-                <a:tailEnd type="triangle"/>
-              </a:ln>
-            </p:spPr>
-            <p:style>
-              <a:lnRef idx="1">
-                <a:schemeClr val="accent1"/>
-              </a:lnRef>
-              <a:fillRef idx="0">
-                <a:schemeClr val="accent1"/>
-              </a:fillRef>
-              <a:effectRef idx="0">
-                <a:schemeClr val="accent1"/>
-              </a:effectRef>
-              <a:fontRef idx="minor">
-                <a:schemeClr val="tx1"/>
-              </a:fontRef>
-            </p:style>
-          </p:cxnSp>
           <p:pic>
             <p:nvPicPr>
               <p:cNvPr id="192" name="Picture 191"/>
@@ -25771,12 +27117,12 @@
               </p:cNvPicPr>
               <p:nvPr>
                 <p:custDataLst>
-                  <p:tags r:id="rId5"/>
+                  <p:tags r:id="rId6"/>
                 </p:custDataLst>
               </p:nvPr>
             </p:nvPicPr>
             <p:blipFill>
-              <a:blip r:embed="rId15" cstate="print">
+              <a:blip r:embed="rId18" cstate="print">
                 <a:extLst>
                   <a:ext uri="{28A0092B-C50C-407E-A947-70E740481C1C}">
                     <a14:useLocalDpi xmlns:a14="http://schemas.microsoft.com/office/drawing/2010/main" val="0"/>
@@ -25789,7 +27135,7 @@
             </p:blipFill>
             <p:spPr>
               <a:xfrm>
-                <a:off x="9801147" y="1249680"/>
+                <a:off x="10972800" y="1765797"/>
                 <a:ext cx="435809" cy="251429"/>
               </a:xfrm>
               <a:prstGeom prst="rect">
@@ -25805,12 +27151,12 @@
               </p:cNvPicPr>
               <p:nvPr>
                 <p:custDataLst>
-                  <p:tags r:id="rId6"/>
+                  <p:tags r:id="rId7"/>
                 </p:custDataLst>
               </p:nvPr>
             </p:nvPicPr>
             <p:blipFill>
-              <a:blip r:embed="rId16" cstate="print">
+              <a:blip r:embed="rId19" cstate="print">
                 <a:extLst>
                   <a:ext uri="{28A0092B-C50C-407E-A947-70E740481C1C}">
                     <a14:useLocalDpi xmlns:a14="http://schemas.microsoft.com/office/drawing/2010/main" val="0"/>
@@ -25842,12 +27188,12 @@
               </p:cNvPicPr>
               <p:nvPr>
                 <p:custDataLst>
-                  <p:tags r:id="rId7"/>
+                  <p:tags r:id="rId8"/>
                 </p:custDataLst>
               </p:nvPr>
             </p:nvPicPr>
             <p:blipFill>
-              <a:blip r:embed="rId17" cstate="print">
+              <a:blip r:embed="rId20" cstate="print">
                 <a:extLst>
                   <a:ext uri="{28A0092B-C50C-407E-A947-70E740481C1C}">
                     <a14:useLocalDpi xmlns:a14="http://schemas.microsoft.com/office/drawing/2010/main" val="0"/>
@@ -25871,246 +27217,216 @@
               </a:ln>
             </p:spPr>
           </p:pic>
-          <p:grpSp>
-            <p:nvGrpSpPr>
-              <p:cNvPr id="14" name="Group 13"/>
-              <p:cNvGrpSpPr/>
+          <p:cxnSp>
+            <p:nvCxnSpPr>
+              <p:cNvPr id="145" name="Straight Connector 144"/>
+              <p:cNvCxnSpPr/>
               <p:nvPr/>
-            </p:nvGrpSpPr>
-            <p:grpSpPr>
+            </p:nvCxnSpPr>
+            <p:spPr>
               <a:xfrm>
-                <a:off x="8125856" y="1038437"/>
-                <a:ext cx="673915" cy="673915"/>
-                <a:chOff x="8125856" y="1018223"/>
-                <a:chExt cx="673915" cy="673915"/>
+                <a:off x="8125856" y="1375394"/>
+                <a:ext cx="673915" cy="1"/>
               </a:xfrm>
-            </p:grpSpPr>
-            <p:cxnSp>
-              <p:nvCxnSpPr>
-                <p:cNvPr id="145" name="Straight Connector 144"/>
-                <p:cNvCxnSpPr/>
-                <p:nvPr/>
-              </p:nvCxnSpPr>
-              <p:spPr>
-                <a:xfrm>
-                  <a:off x="8125856" y="1355180"/>
-                  <a:ext cx="673915" cy="1"/>
-                </a:xfrm>
-                <a:prstGeom prst="line">
-                  <a:avLst/>
-                </a:prstGeom>
-                <a:ln w="12700">
-                  <a:solidFill>
-                    <a:schemeClr val="tx1"/>
-                  </a:solidFill>
-                </a:ln>
-              </p:spPr>
-              <p:style>
-                <a:lnRef idx="1">
-                  <a:schemeClr val="accent1"/>
-                </a:lnRef>
-                <a:fillRef idx="0">
-                  <a:schemeClr val="accent1"/>
-                </a:fillRef>
-                <a:effectRef idx="0">
-                  <a:schemeClr val="accent1"/>
-                </a:effectRef>
-                <a:fontRef idx="minor">
+              <a:prstGeom prst="line">
+                <a:avLst/>
+              </a:prstGeom>
+              <a:ln w="12700">
+                <a:solidFill>
                   <a:schemeClr val="tx1"/>
-                </a:fontRef>
-              </p:style>
-            </p:cxnSp>
-            <p:cxnSp>
-              <p:nvCxnSpPr>
-                <p:cNvPr id="147" name="Straight Connector 146"/>
-                <p:cNvCxnSpPr/>
-                <p:nvPr/>
-              </p:nvCxnSpPr>
-              <p:spPr>
-                <a:xfrm>
-                  <a:off x="8462813" y="1123383"/>
-                  <a:ext cx="0" cy="463595"/>
-                </a:xfrm>
-                <a:prstGeom prst="line">
-                  <a:avLst/>
-                </a:prstGeom>
-                <a:ln w="19050">
-                  <a:solidFill>
-                    <a:schemeClr val="tx1"/>
-                  </a:solidFill>
-                </a:ln>
-              </p:spPr>
-              <p:style>
-                <a:lnRef idx="1">
-                  <a:schemeClr val="accent1"/>
-                </a:lnRef>
-                <a:fillRef idx="0">
-                  <a:schemeClr val="accent1"/>
-                </a:fillRef>
-                <a:effectRef idx="0">
-                  <a:schemeClr val="accent1"/>
-                </a:effectRef>
-                <a:fontRef idx="minor">
+                </a:solidFill>
+              </a:ln>
+            </p:spPr>
+            <p:style>
+              <a:lnRef idx="1">
+                <a:schemeClr val="accent1"/>
+              </a:lnRef>
+              <a:fillRef idx="0">
+                <a:schemeClr val="accent1"/>
+              </a:fillRef>
+              <a:effectRef idx="0">
+                <a:schemeClr val="accent1"/>
+              </a:effectRef>
+              <a:fontRef idx="minor">
+                <a:schemeClr val="tx1"/>
+              </a:fontRef>
+            </p:style>
+          </p:cxnSp>
+          <p:cxnSp>
+            <p:nvCxnSpPr>
+              <p:cNvPr id="147" name="Straight Connector 146"/>
+              <p:cNvCxnSpPr/>
+              <p:nvPr/>
+            </p:nvCxnSpPr>
+            <p:spPr>
+              <a:xfrm>
+                <a:off x="8462813" y="1143597"/>
+                <a:ext cx="0" cy="463595"/>
+              </a:xfrm>
+              <a:prstGeom prst="line">
+                <a:avLst/>
+              </a:prstGeom>
+              <a:ln w="19050">
+                <a:solidFill>
                   <a:schemeClr val="tx1"/>
-                </a:fontRef>
-              </p:style>
-            </p:cxnSp>
-            <p:grpSp>
-              <p:nvGrpSpPr>
-                <p:cNvPr id="13" name="Group 12"/>
-                <p:cNvGrpSpPr/>
-                <p:nvPr/>
-              </p:nvGrpSpPr>
-              <p:grpSpPr>
-                <a:xfrm>
-                  <a:off x="8154254" y="1129833"/>
-                  <a:ext cx="617118" cy="450695"/>
-                  <a:chOff x="8155891" y="1150047"/>
-                  <a:chExt cx="617118" cy="450695"/>
-                </a:xfrm>
-              </p:grpSpPr>
-              <p:cxnSp>
-                <p:nvCxnSpPr>
-                  <p:cNvPr id="146" name="Straight Connector 145"/>
-                  <p:cNvCxnSpPr/>
-                  <p:nvPr/>
-                </p:nvCxnSpPr>
-                <p:spPr>
-                  <a:xfrm rot="10800000" flipH="1">
-                    <a:off x="8462813" y="1150047"/>
-                    <a:ext cx="310196" cy="0"/>
-                  </a:xfrm>
-                  <a:prstGeom prst="line">
-                    <a:avLst/>
-                  </a:prstGeom>
-                  <a:ln w="19050">
-                    <a:solidFill>
-                      <a:schemeClr val="tx1"/>
-                    </a:solidFill>
-                  </a:ln>
-                </p:spPr>
-                <p:style>
-                  <a:lnRef idx="1">
-                    <a:schemeClr val="accent1"/>
-                  </a:lnRef>
-                  <a:fillRef idx="0">
-                    <a:schemeClr val="accent1"/>
-                  </a:fillRef>
-                  <a:effectRef idx="0">
-                    <a:schemeClr val="accent1"/>
-                  </a:effectRef>
-                  <a:fontRef idx="minor">
-                    <a:schemeClr val="tx1"/>
-                  </a:fontRef>
-                </p:style>
-              </p:cxnSp>
-              <p:cxnSp>
-                <p:nvCxnSpPr>
-                  <p:cNvPr id="149" name="Straight Connector 148"/>
-                  <p:cNvCxnSpPr/>
-                  <p:nvPr/>
-                </p:nvCxnSpPr>
-                <p:spPr>
-                  <a:xfrm flipH="1">
-                    <a:off x="8155891" y="1600742"/>
-                    <a:ext cx="310196" cy="0"/>
-                  </a:xfrm>
-                  <a:prstGeom prst="line">
-                    <a:avLst/>
-                  </a:prstGeom>
-                  <a:ln w="19050">
-                    <a:solidFill>
-                      <a:schemeClr val="tx1"/>
-                    </a:solidFill>
-                  </a:ln>
-                </p:spPr>
-                <p:style>
-                  <a:lnRef idx="1">
-                    <a:schemeClr val="accent1"/>
-                  </a:lnRef>
-                  <a:fillRef idx="0">
-                    <a:schemeClr val="accent1"/>
-                  </a:fillRef>
-                  <a:effectRef idx="0">
-                    <a:schemeClr val="accent1"/>
-                  </a:effectRef>
-                  <a:fontRef idx="minor">
-                    <a:schemeClr val="tx1"/>
-                  </a:fontRef>
-                </p:style>
-              </p:cxnSp>
-            </p:grpSp>
-            <p:cxnSp>
-              <p:nvCxnSpPr>
-                <p:cNvPr id="150" name="Straight Connector 149"/>
-                <p:cNvCxnSpPr/>
-                <p:nvPr/>
-              </p:nvCxnSpPr>
-              <p:spPr>
-                <a:xfrm rot="10800000">
-                  <a:off x="8462813" y="1123383"/>
-                  <a:ext cx="0" cy="463595"/>
-                </a:xfrm>
-                <a:prstGeom prst="line">
-                  <a:avLst/>
-                </a:prstGeom>
-                <a:ln w="19050">
-                  <a:solidFill>
-                    <a:schemeClr val="tx1"/>
-                  </a:solidFill>
-                </a:ln>
-              </p:spPr>
-              <p:style>
-                <a:lnRef idx="1">
-                  <a:schemeClr val="accent1"/>
-                </a:lnRef>
-                <a:fillRef idx="0">
-                  <a:schemeClr val="accent1"/>
-                </a:fillRef>
-                <a:effectRef idx="0">
-                  <a:schemeClr val="accent1"/>
-                </a:effectRef>
-                <a:fontRef idx="minor">
+                </a:solidFill>
+              </a:ln>
+            </p:spPr>
+            <p:style>
+              <a:lnRef idx="1">
+                <a:schemeClr val="accent1"/>
+              </a:lnRef>
+              <a:fillRef idx="0">
+                <a:schemeClr val="accent1"/>
+              </a:fillRef>
+              <a:effectRef idx="0">
+                <a:schemeClr val="accent1"/>
+              </a:effectRef>
+              <a:fontRef idx="minor">
+                <a:schemeClr val="tx1"/>
+              </a:fontRef>
+            </p:style>
+          </p:cxnSp>
+          <p:cxnSp>
+            <p:nvCxnSpPr>
+              <p:cNvPr id="146" name="Straight Connector 145"/>
+              <p:cNvCxnSpPr/>
+              <p:nvPr/>
+            </p:nvCxnSpPr>
+            <p:spPr>
+              <a:xfrm rot="10800000" flipH="1">
+                <a:off x="8461176" y="1150047"/>
+                <a:ext cx="310196" cy="0"/>
+              </a:xfrm>
+              <a:prstGeom prst="line">
+                <a:avLst/>
+              </a:prstGeom>
+              <a:ln w="19050">
+                <a:solidFill>
                   <a:schemeClr val="tx1"/>
-                </a:fontRef>
-              </p:style>
-            </p:cxnSp>
-            <p:cxnSp>
-              <p:nvCxnSpPr>
-                <p:cNvPr id="127" name="Straight Connector 126"/>
-                <p:cNvCxnSpPr/>
-                <p:nvPr/>
-              </p:nvCxnSpPr>
-              <p:spPr>
-                <a:xfrm rot="16200000">
-                  <a:off x="8125856" y="1355180"/>
-                  <a:ext cx="673915" cy="1"/>
-                </a:xfrm>
-                <a:prstGeom prst="line">
-                  <a:avLst/>
-                </a:prstGeom>
-                <a:ln w="12700">
-                  <a:solidFill>
-                    <a:schemeClr val="tx1"/>
-                  </a:solidFill>
-                </a:ln>
-              </p:spPr>
-              <p:style>
-                <a:lnRef idx="1">
-                  <a:schemeClr val="accent1"/>
-                </a:lnRef>
-                <a:fillRef idx="0">
-                  <a:schemeClr val="accent1"/>
-                </a:fillRef>
-                <a:effectRef idx="0">
-                  <a:schemeClr val="accent1"/>
-                </a:effectRef>
-                <a:fontRef idx="minor">
+                </a:solidFill>
+              </a:ln>
+            </p:spPr>
+            <p:style>
+              <a:lnRef idx="1">
+                <a:schemeClr val="accent1"/>
+              </a:lnRef>
+              <a:fillRef idx="0">
+                <a:schemeClr val="accent1"/>
+              </a:fillRef>
+              <a:effectRef idx="0">
+                <a:schemeClr val="accent1"/>
+              </a:effectRef>
+              <a:fontRef idx="minor">
+                <a:schemeClr val="tx1"/>
+              </a:fontRef>
+            </p:style>
+          </p:cxnSp>
+          <p:cxnSp>
+            <p:nvCxnSpPr>
+              <p:cNvPr id="149" name="Straight Connector 148"/>
+              <p:cNvCxnSpPr/>
+              <p:nvPr/>
+            </p:nvCxnSpPr>
+            <p:spPr>
+              <a:xfrm flipH="1">
+                <a:off x="8154254" y="1600742"/>
+                <a:ext cx="310196" cy="0"/>
+              </a:xfrm>
+              <a:prstGeom prst="line">
+                <a:avLst/>
+              </a:prstGeom>
+              <a:ln w="19050">
+                <a:solidFill>
                   <a:schemeClr val="tx1"/>
-                </a:fontRef>
-              </p:style>
-            </p:cxnSp>
-          </p:grpSp>
+                </a:solidFill>
+              </a:ln>
+            </p:spPr>
+            <p:style>
+              <a:lnRef idx="1">
+                <a:schemeClr val="accent1"/>
+              </a:lnRef>
+              <a:fillRef idx="0">
+                <a:schemeClr val="accent1"/>
+              </a:fillRef>
+              <a:effectRef idx="0">
+                <a:schemeClr val="accent1"/>
+              </a:effectRef>
+              <a:fontRef idx="minor">
+                <a:schemeClr val="tx1"/>
+              </a:fontRef>
+            </p:style>
+          </p:cxnSp>
+          <p:cxnSp>
+            <p:nvCxnSpPr>
+              <p:cNvPr id="150" name="Straight Connector 149"/>
+              <p:cNvCxnSpPr/>
+              <p:nvPr/>
+            </p:nvCxnSpPr>
+            <p:spPr>
+              <a:xfrm rot="10800000">
+                <a:off x="8462813" y="1143597"/>
+                <a:ext cx="0" cy="463595"/>
+              </a:xfrm>
+              <a:prstGeom prst="line">
+                <a:avLst/>
+              </a:prstGeom>
+              <a:ln w="19050">
+                <a:solidFill>
+                  <a:schemeClr val="tx1"/>
+                </a:solidFill>
+              </a:ln>
+            </p:spPr>
+            <p:style>
+              <a:lnRef idx="1">
+                <a:schemeClr val="accent1"/>
+              </a:lnRef>
+              <a:fillRef idx="0">
+                <a:schemeClr val="accent1"/>
+              </a:fillRef>
+              <a:effectRef idx="0">
+                <a:schemeClr val="accent1"/>
+              </a:effectRef>
+              <a:fontRef idx="minor">
+                <a:schemeClr val="tx1"/>
+              </a:fontRef>
+            </p:style>
+          </p:cxnSp>
+          <p:cxnSp>
+            <p:nvCxnSpPr>
+              <p:cNvPr id="127" name="Straight Connector 126"/>
+              <p:cNvCxnSpPr/>
+              <p:nvPr/>
+            </p:nvCxnSpPr>
+            <p:spPr>
+              <a:xfrm rot="16200000">
+                <a:off x="8125856" y="1375394"/>
+                <a:ext cx="673915" cy="1"/>
+              </a:xfrm>
+              <a:prstGeom prst="line">
+                <a:avLst/>
+              </a:prstGeom>
+              <a:ln w="12700">
+                <a:solidFill>
+                  <a:schemeClr val="tx1"/>
+                </a:solidFill>
+              </a:ln>
+            </p:spPr>
+            <p:style>
+              <a:lnRef idx="1">
+                <a:schemeClr val="accent1"/>
+              </a:lnRef>
+              <a:fillRef idx="0">
+                <a:schemeClr val="accent1"/>
+              </a:fillRef>
+              <a:effectRef idx="0">
+                <a:schemeClr val="accent1"/>
+              </a:effectRef>
+              <a:fontRef idx="minor">
+                <a:schemeClr val="tx1"/>
+              </a:fontRef>
+            </p:style>
+          </p:cxnSp>
           <p:sp>
             <p:nvSpPr>
               <p:cNvPr id="135" name="Rectangle 134"/>
@@ -26158,12 +27474,478 @@
               </a:p>
             </p:txBody>
           </p:sp>
+          <p:sp>
+            <p:nvSpPr>
+              <p:cNvPr id="51" name="Trapezoid 50"/>
+              <p:cNvSpPr/>
+              <p:nvPr/>
+            </p:nvSpPr>
+            <p:spPr>
+              <a:xfrm rot="16200000" flipV="1">
+                <a:off x="9155561" y="1653238"/>
+                <a:ext cx="1600200" cy="476548"/>
+              </a:xfrm>
+              <a:prstGeom prst="trapezoid">
+                <a:avLst>
+                  <a:gd name="adj" fmla="val 45113"/>
+                </a:avLst>
+              </a:prstGeom>
+              <a:solidFill>
+                <a:schemeClr val="bg1">
+                  <a:lumMod val="95000"/>
+                </a:schemeClr>
+              </a:solidFill>
+              <a:ln>
+                <a:solidFill>
+                  <a:schemeClr val="tx1"/>
+                </a:solidFill>
+              </a:ln>
+            </p:spPr>
+            <p:style>
+              <a:lnRef idx="2">
+                <a:schemeClr val="accent1">
+                  <a:shade val="50000"/>
+                </a:schemeClr>
+              </a:lnRef>
+              <a:fillRef idx="1">
+                <a:schemeClr val="accent1"/>
+              </a:fillRef>
+              <a:effectRef idx="0">
+                <a:schemeClr val="accent1"/>
+              </a:effectRef>
+              <a:fontRef idx="minor">
+                <a:schemeClr val="lt1"/>
+              </a:fontRef>
+            </p:style>
+            <p:txBody>
+              <a:bodyPr rtlCol="0" anchor="ctr"/>
+              <a:lstStyle/>
+              <a:p>
+                <a:pPr algn="ctr"/>
+                <a:endParaRPr lang="en-US" dirty="0">
+                  <a:latin typeface="Times New Roman" panose="02020603050405020304" pitchFamily="18" charset="0"/>
+                  <a:cs typeface="Times New Roman" panose="02020603050405020304" pitchFamily="18" charset="0"/>
+                </a:endParaRPr>
+              </a:p>
+            </p:txBody>
+          </p:sp>
+          <p:cxnSp>
+            <p:nvCxnSpPr>
+              <p:cNvPr id="189" name="Straight Arrow Connector 188"/>
+              <p:cNvCxnSpPr/>
+              <p:nvPr/>
+            </p:nvCxnSpPr>
+            <p:spPr>
+              <a:xfrm>
+                <a:off x="9034313" y="1374434"/>
+                <a:ext cx="684323" cy="0"/>
+              </a:xfrm>
+              <a:prstGeom prst="straightConnector1">
+                <a:avLst/>
+              </a:prstGeom>
+              <a:ln w="12700">
+                <a:solidFill>
+                  <a:schemeClr val="tx1"/>
+                </a:solidFill>
+                <a:tailEnd type="triangle"/>
+              </a:ln>
+            </p:spPr>
+            <p:style>
+              <a:lnRef idx="1">
+                <a:schemeClr val="accent1"/>
+              </a:lnRef>
+              <a:fillRef idx="0">
+                <a:schemeClr val="accent1"/>
+              </a:fillRef>
+              <a:effectRef idx="0">
+                <a:schemeClr val="accent1"/>
+              </a:effectRef>
+              <a:fontRef idx="minor">
+                <a:schemeClr val="tx1"/>
+              </a:fontRef>
+            </p:style>
+          </p:cxnSp>
+          <p:pic>
+            <p:nvPicPr>
+              <p:cNvPr id="30" name="Picture 29"/>
+              <p:cNvPicPr>
+                <a:picLocks noChangeAspect="1"/>
+              </p:cNvPicPr>
+              <p:nvPr>
+                <p:custDataLst>
+                  <p:tags r:id="rId9"/>
+                </p:custDataLst>
+              </p:nvPr>
+            </p:nvPicPr>
+            <p:blipFill>
+              <a:blip r:embed="rId21" cstate="print">
+                <a:extLst>
+                  <a:ext uri="{28A0092B-C50C-407E-A947-70E740481C1C}">
+                    <a14:useLocalDpi xmlns:a14="http://schemas.microsoft.com/office/drawing/2010/main" val="0"/>
+                  </a:ext>
+                </a:extLst>
+              </a:blip>
+              <a:stretch>
+                <a:fillRect/>
+              </a:stretch>
+            </p:blipFill>
+            <p:spPr>
+              <a:xfrm>
+                <a:off x="8479591" y="2164716"/>
+                <a:ext cx="435809" cy="251429"/>
+              </a:xfrm>
+              <a:prstGeom prst="rect">
+                <a:avLst/>
+              </a:prstGeom>
+            </p:spPr>
+          </p:pic>
+          <p:cxnSp>
+            <p:nvCxnSpPr>
+              <p:cNvPr id="41" name="Straight Arrow Connector 40"/>
+              <p:cNvCxnSpPr/>
+              <p:nvPr/>
+            </p:nvCxnSpPr>
+            <p:spPr>
+              <a:xfrm>
+                <a:off x="9033064" y="2290430"/>
+                <a:ext cx="684323" cy="0"/>
+              </a:xfrm>
+              <a:prstGeom prst="straightConnector1">
+                <a:avLst/>
+              </a:prstGeom>
+              <a:ln w="12700">
+                <a:solidFill>
+                  <a:schemeClr val="tx1"/>
+                </a:solidFill>
+                <a:tailEnd type="triangle"/>
+              </a:ln>
+            </p:spPr>
+            <p:style>
+              <a:lnRef idx="1">
+                <a:schemeClr val="accent1"/>
+              </a:lnRef>
+              <a:fillRef idx="0">
+                <a:schemeClr val="accent1"/>
+              </a:fillRef>
+              <a:effectRef idx="0">
+                <a:schemeClr val="accent1"/>
+              </a:effectRef>
+              <a:fontRef idx="minor">
+                <a:schemeClr val="tx1"/>
+              </a:fontRef>
+            </p:style>
+          </p:cxnSp>
+          <p:cxnSp>
+            <p:nvCxnSpPr>
+              <p:cNvPr id="42" name="Straight Arrow Connector 41"/>
+              <p:cNvCxnSpPr/>
+              <p:nvPr/>
+            </p:nvCxnSpPr>
+            <p:spPr>
+              <a:xfrm>
+                <a:off x="10193935" y="1891512"/>
+                <a:ext cx="684323" cy="0"/>
+              </a:xfrm>
+              <a:prstGeom prst="straightConnector1">
+                <a:avLst/>
+              </a:prstGeom>
+              <a:ln w="12700">
+                <a:solidFill>
+                  <a:schemeClr val="tx1"/>
+                </a:solidFill>
+                <a:tailEnd type="triangle"/>
+              </a:ln>
+            </p:spPr>
+            <p:style>
+              <a:lnRef idx="1">
+                <a:schemeClr val="accent1"/>
+              </a:lnRef>
+              <a:fillRef idx="0">
+                <a:schemeClr val="accent1"/>
+              </a:fillRef>
+              <a:effectRef idx="0">
+                <a:schemeClr val="accent1"/>
+              </a:effectRef>
+              <a:fontRef idx="minor">
+                <a:schemeClr val="tx1"/>
+              </a:fontRef>
+            </p:style>
+          </p:cxnSp>
+          <p:cxnSp>
+            <p:nvCxnSpPr>
+              <p:cNvPr id="43" name="Elbow Connector 42"/>
+              <p:cNvCxnSpPr>
+                <a:stCxn id="155" idx="3"/>
+                <a:endCxn id="23" idx="2"/>
+              </p:cNvCxnSpPr>
+              <p:nvPr/>
+            </p:nvCxnSpPr>
+            <p:spPr>
+              <a:xfrm flipV="1">
+                <a:off x="7861820" y="1891512"/>
+                <a:ext cx="2674277" cy="1801558"/>
+              </a:xfrm>
+              <a:prstGeom prst="bentConnector2">
+                <a:avLst/>
+              </a:prstGeom>
+              <a:ln w="12700">
+                <a:solidFill>
+                  <a:schemeClr val="tx1"/>
+                </a:solidFill>
+                <a:headEnd type="triangle" w="med" len="med"/>
+                <a:tailEnd type="none" w="med" len="med"/>
+              </a:ln>
+            </p:spPr>
+            <p:style>
+              <a:lnRef idx="1">
+                <a:schemeClr val="accent1"/>
+              </a:lnRef>
+              <a:fillRef idx="0">
+                <a:schemeClr val="accent1"/>
+              </a:fillRef>
+              <a:effectRef idx="0">
+                <a:schemeClr val="accent1"/>
+              </a:effectRef>
+              <a:fontRef idx="minor">
+                <a:schemeClr val="tx1"/>
+              </a:fontRef>
+            </p:style>
+          </p:cxnSp>
+          <p:pic>
+            <p:nvPicPr>
+              <p:cNvPr id="18" name="Picture 17"/>
+              <p:cNvPicPr>
+                <a:picLocks noChangeAspect="1"/>
+              </p:cNvPicPr>
+              <p:nvPr>
+                <p:custDataLst>
+                  <p:tags r:id="rId10"/>
+                </p:custDataLst>
+              </p:nvPr>
+            </p:nvPicPr>
+            <p:blipFill>
+              <a:blip r:embed="rId22" cstate="print">
+                <a:extLst>
+                  <a:ext uri="{28A0092B-C50C-407E-A947-70E740481C1C}">
+                    <a14:useLocalDpi xmlns:a14="http://schemas.microsoft.com/office/drawing/2010/main" val="0"/>
+                  </a:ext>
+                </a:extLst>
+              </a:blip>
+              <a:stretch>
+                <a:fillRect/>
+              </a:stretch>
+            </p:blipFill>
+            <p:spPr>
+              <a:xfrm>
+                <a:off x="9762623" y="1304949"/>
+                <a:ext cx="86552" cy="138971"/>
+              </a:xfrm>
+              <a:prstGeom prst="rect">
+                <a:avLst/>
+              </a:prstGeom>
+            </p:spPr>
+          </p:pic>
+          <p:pic>
+            <p:nvPicPr>
+              <p:cNvPr id="17" name="Picture 16"/>
+              <p:cNvPicPr>
+                <a:picLocks noChangeAspect="1"/>
+              </p:cNvPicPr>
+              <p:nvPr>
+                <p:custDataLst>
+                  <p:tags r:id="rId11"/>
+                </p:custDataLst>
+              </p:nvPr>
+            </p:nvPicPr>
+            <p:blipFill>
+              <a:blip r:embed="rId23" cstate="print">
+                <a:extLst>
+                  <a:ext uri="{28A0092B-C50C-407E-A947-70E740481C1C}">
+                    <a14:useLocalDpi xmlns:a14="http://schemas.microsoft.com/office/drawing/2010/main" val="0"/>
+                  </a:ext>
+                </a:extLst>
+              </a:blip>
+              <a:stretch>
+                <a:fillRect/>
+              </a:stretch>
+            </p:blipFill>
+            <p:spPr>
+              <a:xfrm>
+                <a:off x="9771766" y="2220705"/>
+                <a:ext cx="68267" cy="135314"/>
+              </a:xfrm>
+              <a:prstGeom prst="rect">
+                <a:avLst/>
+              </a:prstGeom>
+            </p:spPr>
+          </p:pic>
+          <p:sp>
+            <p:nvSpPr>
+              <p:cNvPr id="14" name="Rectangle 13"/>
+              <p:cNvSpPr/>
+              <p:nvPr/>
+            </p:nvSpPr>
+            <p:spPr>
+              <a:xfrm rot="5400000">
+                <a:off x="9565170" y="1706846"/>
+                <a:ext cx="780983" cy="369332"/>
+              </a:xfrm>
+              <a:prstGeom prst="rect">
+                <a:avLst/>
+              </a:prstGeom>
+            </p:spPr>
+            <p:txBody>
+              <a:bodyPr wrap="none">
+                <a:spAutoFit/>
+              </a:bodyPr>
+              <a:lstStyle/>
+              <a:p>
+                <a:pPr algn="ctr"/>
+                <a:r>
+                  <a:rPr lang="en-US" dirty="0" smtClean="0">
+                    <a:ln w="0"/>
+                    <a:effectLst>
+                      <a:outerShdw blurRad="38100" dist="19050" dir="2700000" algn="tl" rotWithShape="0">
+                        <a:schemeClr val="dk1">
+                          <a:alpha val="40000"/>
+                        </a:schemeClr>
+                      </a:outerShdw>
+                    </a:effectLst>
+                    <a:latin typeface="Times New Roman" panose="02020603050405020304" pitchFamily="18" charset="0"/>
+                    <a:cs typeface="Times New Roman" panose="02020603050405020304" pitchFamily="18" charset="0"/>
+                  </a:rPr>
+                  <a:t>MUX </a:t>
+                </a:r>
+                <a:endParaRPr lang="en-US" dirty="0">
+                  <a:latin typeface="Times New Roman" panose="02020603050405020304" pitchFamily="18" charset="0"/>
+                  <a:cs typeface="Times New Roman" panose="02020603050405020304" pitchFamily="18" charset="0"/>
+                </a:endParaRPr>
+              </a:p>
+            </p:txBody>
+          </p:sp>
+          <p:pic>
+            <p:nvPicPr>
+              <p:cNvPr id="22" name="Picture 21"/>
+              <p:cNvPicPr>
+                <a:picLocks noChangeAspect="1"/>
+              </p:cNvPicPr>
+              <p:nvPr>
+                <p:custDataLst>
+                  <p:tags r:id="rId12"/>
+                </p:custDataLst>
+              </p:nvPr>
+            </p:nvPicPr>
+            <p:blipFill>
+              <a:blip r:embed="rId24" cstate="print">
+                <a:extLst>
+                  <a:ext uri="{28A0092B-C50C-407E-A947-70E740481C1C}">
+                    <a14:useLocalDpi xmlns:a14="http://schemas.microsoft.com/office/drawing/2010/main" val="0"/>
+                  </a:ext>
+                </a:extLst>
+              </a:blip>
+              <a:stretch>
+                <a:fillRect/>
+              </a:stretch>
+            </p:blipFill>
+            <p:spPr>
+              <a:xfrm>
+                <a:off x="7828464" y="2758129"/>
+                <a:ext cx="1575619" cy="248381"/>
+              </a:xfrm>
+              <a:prstGeom prst="rect">
+                <a:avLst/>
+              </a:prstGeom>
+            </p:spPr>
+          </p:pic>
+          <p:sp>
+            <p:nvSpPr>
+              <p:cNvPr id="23" name="Rectangle 22"/>
+              <p:cNvSpPr/>
+              <p:nvPr/>
+            </p:nvSpPr>
+            <p:spPr>
+              <a:xfrm>
+                <a:off x="10193197" y="1434312"/>
+                <a:ext cx="685800" cy="457200"/>
+              </a:xfrm>
+              <a:prstGeom prst="rect">
+                <a:avLst/>
+              </a:prstGeom>
+              <a:noFill/>
+              <a:ln>
+                <a:noFill/>
+              </a:ln>
+            </p:spPr>
+            <p:style>
+              <a:lnRef idx="2">
+                <a:schemeClr val="accent1">
+                  <a:shade val="50000"/>
+                </a:schemeClr>
+              </a:lnRef>
+              <a:fillRef idx="1">
+                <a:schemeClr val="accent1"/>
+              </a:fillRef>
+              <a:effectRef idx="0">
+                <a:schemeClr val="accent1"/>
+              </a:effectRef>
+              <a:fontRef idx="minor">
+                <a:schemeClr val="lt1"/>
+              </a:fontRef>
+            </p:style>
+            <p:txBody>
+              <a:bodyPr rtlCol="0" anchor="ctr"/>
+              <a:lstStyle/>
+              <a:p>
+                <a:pPr algn="ctr"/>
+                <a:endParaRPr lang="en-US"/>
+              </a:p>
+            </p:txBody>
+          </p:sp>
+          <p:cxnSp>
+            <p:nvCxnSpPr>
+              <p:cNvPr id="62" name="Elbow Connector 61"/>
+              <p:cNvCxnSpPr>
+                <a:stCxn id="51" idx="1"/>
+              </p:cNvCxnSpPr>
+              <p:nvPr/>
+            </p:nvCxnSpPr>
+            <p:spPr>
+              <a:xfrm rot="5400000">
+                <a:off x="9544123" y="2510699"/>
+                <a:ext cx="338118" cy="484959"/>
+              </a:xfrm>
+              <a:prstGeom prst="bentConnector2">
+                <a:avLst/>
+              </a:prstGeom>
+              <a:ln w="12700">
+                <a:solidFill>
+                  <a:schemeClr val="tx1"/>
+                </a:solidFill>
+                <a:headEnd type="triangle" w="med" len="med"/>
+                <a:tailEnd type="none" w="med" len="med"/>
+              </a:ln>
+            </p:spPr>
+            <p:style>
+              <a:lnRef idx="1">
+                <a:schemeClr val="accent1"/>
+              </a:lnRef>
+              <a:fillRef idx="0">
+                <a:schemeClr val="accent1"/>
+              </a:fillRef>
+              <a:effectRef idx="0">
+                <a:schemeClr val="accent1"/>
+              </a:effectRef>
+              <a:fontRef idx="minor">
+                <a:schemeClr val="tx1"/>
+              </a:fontRef>
+            </p:style>
+          </p:cxnSp>
         </p:grpSp>
       </p:grpSp>
     </p:spTree>
     <p:extLst>
       <p:ext uri="{BB962C8B-B14F-4D97-AF65-F5344CB8AC3E}">
-        <p14:creationId xmlns:p14="http://schemas.microsoft.com/office/powerpoint/2010/main" val="880782969"/>
+        <p14:creationId xmlns:p14="http://schemas.microsoft.com/office/powerpoint/2010/main" val="3894151934"/>
       </p:ext>
     </p:extLst>
   </p:cSld>
@@ -26180,7 +27962,7 @@
 </p:sld>
 </file>
 
-<file path=ppt/slides/slide4.xml><?xml version="1.0" encoding="utf-8"?>
+<file path=ppt/slides/slide5.xml><?xml version="1.0" encoding="utf-8"?>
 <p:sld xmlns:a="http://schemas.openxmlformats.org/drawingml/2006/main" xmlns:r="http://schemas.openxmlformats.org/officeDocument/2006/relationships" xmlns:p="http://schemas.openxmlformats.org/presentationml/2006/main">
   <p:cSld>
     <p:spTree>
@@ -26810,6 +28592,22 @@
 
 <file path=ppt/tags/tag16.xml><?xml version="1.0" encoding="utf-8"?>
 <p:tagLst xmlns:a="http://schemas.openxmlformats.org/drawingml/2006/main" xmlns:r="http://schemas.openxmlformats.org/officeDocument/2006/relationships" xmlns:p="http://schemas.openxmlformats.org/presentationml/2006/main">
+  <p:tag name="ORIGINALHEIGHT" val="103.4871"/>
+  <p:tag name="ORIGINALWIDTH" val="142.4822"/>
+  <p:tag name="OUTPUTDPI" val="1200"/>
+  <p:tag name="LATEXADDIN" val="\documentclass{article}&#10;\usepackage{amsmath}&#10;\pagestyle{empty}&#10;\begin{document}&#10;\begin{equation*}&#10;K_1&#10;\end{equation*}&#10;&#10;&#10;&#10;\end{document}"/>
+  <p:tag name="IGUANATEXSIZE" val="14"/>
+  <p:tag name="IGUANATEXCURSOR" val="101"/>
+  <p:tag name="TRANSPARENCY" val="True"/>
+  <p:tag name="FILENAME" val=""/>
+  <p:tag name="INPUTTYPE" val="0"/>
+  <p:tag name="LATEXENGINEID" val="0"/>
+  <p:tag name="TEMPFOLDER" val="C:\Users\ecestudent\Documents\IguanaTexTemp\"/>
+</p:tagLst>
+</file>
+
+<file path=ppt/tags/tag17.xml><?xml version="1.0" encoding="utf-8"?>
+<p:tagLst xmlns:a="http://schemas.openxmlformats.org/drawingml/2006/main" xmlns:r="http://schemas.openxmlformats.org/officeDocument/2006/relationships" xmlns:p="http://schemas.openxmlformats.org/presentationml/2006/main">
   <p:tag name="ORIGINALHEIGHT" val="123.7346"/>
   <p:tag name="ORIGINALWIDTH" val="206.2243"/>
   <p:tag name="OUTPUTDPI" val="1200"/>
@@ -26824,7 +28622,7 @@
 </p:tagLst>
 </file>
 
-<file path=ppt/tags/tag17.xml><?xml version="1.0" encoding="utf-8"?>
+<file path=ppt/tags/tag18.xml><?xml version="1.0" encoding="utf-8"?>
 <p:tagLst xmlns:a="http://schemas.openxmlformats.org/drawingml/2006/main" xmlns:r="http://schemas.openxmlformats.org/officeDocument/2006/relationships" xmlns:p="http://schemas.openxmlformats.org/presentationml/2006/main">
   <p:tag name="ORIGINALHEIGHT" val="130.4837"/>
   <p:tag name="ORIGINALWIDTH" val="305.9617"/>
@@ -26840,7 +28638,7 @@
 </p:tagLst>
 </file>
 
-<file path=ppt/tags/tag18.xml><?xml version="1.0" encoding="utf-8"?>
+<file path=ppt/tags/tag19.xml><?xml version="1.0" encoding="utf-8"?>
 <p:tagLst xmlns:a="http://schemas.openxmlformats.org/drawingml/2006/main" xmlns:r="http://schemas.openxmlformats.org/officeDocument/2006/relationships" xmlns:p="http://schemas.openxmlformats.org/presentationml/2006/main">
   <p:tag name="ORIGINALHEIGHT" val="123.7346"/>
   <p:tag name="ORIGINALWIDTH" val="214.4731"/>
@@ -26848,22 +28646,6 @@
   <p:tag name="LATEXADDIN" val="\documentclass{article}&#10;\usepackage{amsmath}&#10;\pagestyle{empty}&#10;\begin{document}&#10;&#10;$\hat{a}(k)$&#10;&#10;&#10;\end{document}&#10;"/>
   <p:tag name="IGUANATEXSIZE" val="20"/>
   <p:tag name="IGUANATEXCURSOR" val="111"/>
-  <p:tag name="TRANSPARENCY" val="True"/>
-  <p:tag name="FILENAME" val=""/>
-  <p:tag name="INPUTTYPE" val="0"/>
-  <p:tag name="LATEXENGINEID" val="0"/>
-  <p:tag name="TEMPFOLDER" val="C:\Users\ecestudent\Documents\IguanaTexTemp\"/>
-</p:tagLst>
-</file>
-
-<file path=ppt/tags/tag19.xml><?xml version="1.0" encoding="utf-8"?>
-<p:tagLst xmlns:a="http://schemas.openxmlformats.org/drawingml/2006/main" xmlns:r="http://schemas.openxmlformats.org/officeDocument/2006/relationships" xmlns:p="http://schemas.openxmlformats.org/presentationml/2006/main">
-  <p:tag name="ORIGINALHEIGHT" val="123.7346"/>
-  <p:tag name="ORIGINALWIDTH" val="274.4657"/>
-  <p:tag name="OUTPUTDPI" val="1200"/>
-  <p:tag name="LATEXADDIN" val="\documentclass{article}&#10;\usepackage{amsmath}&#10;\pagestyle{empty}&#10;\begin{document}&#10;&#10;$r_\text{d}(n)$&#10;&#10;&#10;\end{document}"/>
-  <p:tag name="IGUANATEXSIZE" val="20"/>
-  <p:tag name="IGUANATEXCURSOR" val="92"/>
   <p:tag name="TRANSPARENCY" val="True"/>
   <p:tag name="FILENAME" val=""/>
   <p:tag name="INPUTTYPE" val="0"/>
@@ -26891,6 +28673,22 @@
 <file path=ppt/tags/tag20.xml><?xml version="1.0" encoding="utf-8"?>
 <p:tagLst xmlns:a="http://schemas.openxmlformats.org/drawingml/2006/main" xmlns:r="http://schemas.openxmlformats.org/officeDocument/2006/relationships" xmlns:p="http://schemas.openxmlformats.org/presentationml/2006/main">
   <p:tag name="ORIGINALHEIGHT" val="123.7346"/>
+  <p:tag name="ORIGINALWIDTH" val="274.4657"/>
+  <p:tag name="OUTPUTDPI" val="1200"/>
+  <p:tag name="LATEXADDIN" val="\documentclass{article}&#10;\usepackage{amsmath}&#10;\pagestyle{empty}&#10;\begin{document}&#10;&#10;$r_\text{d}(n)$&#10;&#10;&#10;\end{document}"/>
+  <p:tag name="IGUANATEXSIZE" val="20"/>
+  <p:tag name="IGUANATEXCURSOR" val="92"/>
+  <p:tag name="TRANSPARENCY" val="True"/>
+  <p:tag name="FILENAME" val=""/>
+  <p:tag name="INPUTTYPE" val="0"/>
+  <p:tag name="LATEXENGINEID" val="0"/>
+  <p:tag name="TEMPFOLDER" val="C:\Users\ecestudent\Documents\IguanaTexTemp\"/>
+</p:tagLst>
+</file>
+
+<file path=ppt/tags/tag21.xml><?xml version="1.0" encoding="utf-8"?>
+<p:tagLst xmlns:a="http://schemas.openxmlformats.org/drawingml/2006/main" xmlns:r="http://schemas.openxmlformats.org/officeDocument/2006/relationships" xmlns:p="http://schemas.openxmlformats.org/presentationml/2006/main">
+  <p:tag name="ORIGINALHEIGHT" val="123.7346"/>
   <p:tag name="ORIGINALWIDTH" val="257.9677"/>
   <p:tag name="OUTPUTDPI" val="1200"/>
   <p:tag name="LATEXADDIN" val="\documentclass{article}&#10;\usepackage{amsmath}&#10;\pagestyle{empty}&#10;\begin{document}&#10;&#10;$r_\text{r}(n)$&#10;&#10;&#10;\end{document}"/>
@@ -26904,7 +28702,62 @@
 </p:tagLst>
 </file>
 
-<file path=ppt/tags/tag21.xml><?xml version="1.0" encoding="utf-8"?>
+<file path=ppt/tags/tag22.xml><?xml version="1.0" encoding="utf-8"?>
+<p:tagLst xmlns:a="http://schemas.openxmlformats.org/drawingml/2006/main" xmlns:r="http://schemas.openxmlformats.org/officeDocument/2006/relationships" xmlns:p="http://schemas.openxmlformats.org/presentationml/2006/main">
+  <p:tag name="ORIGINALHEIGHT" val="123.7346"/>
+  <p:tag name="ORIGINALWIDTH" val="220.4724"/>
+  <p:tag name="OUTPUTDPI" val="1200"/>
+  <p:tag name="LATEXADDIN" val="\documentclass{article}&#10;\usepackage{amsmath}&#10;\usepackage{amssymb}&#10;\pagestyle{empty}&#10;\begin{document}&#10;&#10;$p(k)$&#10;&#10;&#10;&#10;\end{document}"/>
+  <p:tag name="IGUANATEXSIZE" val="20"/>
+  <p:tag name="IGUANATEXCURSOR" val="107"/>
+  <p:tag name="TRANSPARENCY" val="True"/>
+  <p:tag name="FILENAME" val=""/>
+  <p:tag name="INPUTTYPE" val="0"/>
+  <p:tag name="LATEXENGINEID" val="0"/>
+  <p:tag name="TEMPFOLDER" val="C:\Users\ecestudent\Documents\IguanaTexTemp\"/>
+</p:tagLst>
+</file>
+
+<file path=ppt/tags/tag23.xml><?xml version="1.0" encoding="utf-8"?>
+<p:tagLst xmlns:a="http://schemas.openxmlformats.org/drawingml/2006/main" xmlns:r="http://schemas.openxmlformats.org/officeDocument/2006/relationships" xmlns:p="http://schemas.openxmlformats.org/presentationml/2006/main">
+  <p:tag name="ORIGINALHEIGHT" val="523.4346"/>
+  <p:tag name="ORIGINALWIDTH" val="2932.134"/>
+  <p:tag name="OUTPUTDPI" val="1200"/>
+  <p:tag name="LATEXADDIN" val="\documentclass{article}&#10;\usepackage{amsmath}&#10;\usepackage{amssymb}&#10;\pagestyle{empty}&#10;\begin{document}&#10;&#10;\begin{equation*}&#10;\hat{a}(k)= \begin{cases}&#10;p(k) &amp;k&lt;L_p+L_\text{asm} \\&#10;\text{sgn}(\text{Re}\{r_\text{r}(k)\})&amp;k\geq L_p+L_\text{asm} \quad \&amp; \quad \text{$k$ even}\\&#10;\text{sgn}(\text{Im}\{r_\text{r}(k)\})&amp;k\geq L_p+L_\text{asm} \quad \&amp; \quad \text{$k$ odd}\\&#10;\end{cases}&#10;\end{equation*}&#10;&#10;&#10;&#10;\end{document}"/>
+  <p:tag name="IGUANATEXSIZE" val="20"/>
+  <p:tag name="IGUANATEXCURSOR" val="288"/>
+  <p:tag name="TRANSPARENCY" val="True"/>
+  <p:tag name="FILENAME" val=""/>
+  <p:tag name="INPUTTYPE" val="0"/>
+  <p:tag name="LATEXENGINEID" val="0"/>
+  <p:tag name="TEMPFOLDER" val="C:\Users\ecestudent\Documents\IguanaTexTemp\"/>
+</p:tagLst>
+</file>
+
+<file path=ppt/tags/tag24.xml><?xml version="1.0" encoding="utf-8"?>
+<p:tagLst xmlns:a="http://schemas.openxmlformats.org/drawingml/2006/main" xmlns:r="http://schemas.openxmlformats.org/officeDocument/2006/relationships" xmlns:p="http://schemas.openxmlformats.org/presentationml/2006/main">
+  <p:tag name="ORIGINALHEIGHT" val="373.4533"/>
+  <p:tag name="ORIGINALWIDTH" val="3080.615"/>
+  <p:tag name="OUTPUTDPI" val="1200"/>
+  <p:tag name="LATEXADDIN" val="\documentclass{article}&#10;\usepackage{amsmath}&#10;\usepackage{amssymb}&#10;\pagestyle{empty}&#10;\begin{document}&#10;&#10;\begin{equation*}&#10;e(k)&#10;= &#10;\begin{cases}&#10;0 &amp;\text{$k$ even} \\&#10;\hat{a}(k-1)\text{Im}\{r_\text{r}(k-1)\} -  \hat{a}(k)\text{Re}\{r_\text{r}(k)\}  &amp;\text{$k$ odd}\\&#10;\end{cases}&#10;\end{equation*}&#10;&#10;&#10;&#10;\end{document}"/>
+  <p:tag name="IGUANATEXSIZE" val="20"/>
+  <p:tag name="IGUANATEXCURSOR" val="184"/>
+  <p:tag name="TRANSPARENCY" val="True"/>
+  <p:tag name="FILENAME" val=""/>
+  <p:tag name="INPUTTYPE" val="0"/>
+  <p:tag name="LATEXENGINEID" val="0"/>
+  <p:tag name="TEMPFOLDER" val="C:\Users\ecestudent\Documents\IguanaTexTemp\"/>
+</p:tagLst>
+</file>
+
+<file path=ppt/tags/tag25.xml><?xml version="1.0" encoding="utf-8"?>
+<p:tagLst xmlns:a="http://schemas.openxmlformats.org/drawingml/2006/main" xmlns:r="http://schemas.openxmlformats.org/officeDocument/2006/relationships" xmlns:p="http://schemas.openxmlformats.org/presentationml/2006/main">
+  <p:tag name="SELECTIONNAME" val="Group 30"/>
+  <p:tag name="LAYER" val="2"/>
+</p:tagLst>
+</file>
+
+<file path=ppt/tags/tag26.xml><?xml version="1.0" encoding="utf-8"?>
 <p:tagLst xmlns:a="http://schemas.openxmlformats.org/drawingml/2006/main" xmlns:r="http://schemas.openxmlformats.org/officeDocument/2006/relationships" xmlns:p="http://schemas.openxmlformats.org/presentationml/2006/main">
   <p:tag name="ORIGINALHEIGHT" val="103.4871"/>
   <p:tag name="ORIGINALWIDTH" val="142.4822"/>
@@ -26920,14 +28773,14 @@
 </p:tagLst>
 </file>
 
-<file path=ppt/tags/tag22.xml><?xml version="1.0" encoding="utf-8"?>
+<file path=ppt/tags/tag27.xml><?xml version="1.0" encoding="utf-8"?>
 <p:tagLst xmlns:a="http://schemas.openxmlformats.org/drawingml/2006/main" xmlns:r="http://schemas.openxmlformats.org/officeDocument/2006/relationships" xmlns:p="http://schemas.openxmlformats.org/presentationml/2006/main">
   <p:tag name="ORIGINALHEIGHT" val="123.7346"/>
-  <p:tag name="ORIGINALWIDTH" val="257.9677"/>
+  <p:tag name="ORIGINALWIDTH" val="206.2243"/>
   <p:tag name="OUTPUTDPI" val="1200"/>
-  <p:tag name="LATEXADDIN" val="\documentclass{article}&#10;\usepackage{amsmath}&#10;\pagestyle{empty}&#10;\begin{document}&#10;&#10;$r_\text{r}(n)$&#10;&#10;&#10;\end{document}"/>
+  <p:tag name="LATEXADDIN" val="\documentclass{article}&#10;\usepackage{amsmath}&#10;\pagestyle{empty}&#10;\begin{document}&#10;&#10;$e(k)$&#10;&#10;&#10;\end{document}"/>
   <p:tag name="IGUANATEXSIZE" val="20"/>
-  <p:tag name="IGUANATEXCURSOR" val="92"/>
+  <p:tag name="IGUANATEXCURSOR" val="83"/>
   <p:tag name="TRANSPARENCY" val="True"/>
   <p:tag name="FILENAME" val=""/>
   <p:tag name="INPUTTYPE" val="0"/>
@@ -26936,14 +28789,30 @@
 </p:tagLst>
 </file>
 
-<file path=ppt/tags/tag23.xml><?xml version="1.0" encoding="utf-8"?>
+<file path=ppt/tags/tag28.xml><?xml version="1.0" encoding="utf-8"?>
 <p:tagLst xmlns:a="http://schemas.openxmlformats.org/drawingml/2006/main" xmlns:r="http://schemas.openxmlformats.org/officeDocument/2006/relationships" xmlns:p="http://schemas.openxmlformats.org/presentationml/2006/main">
-  <p:tag name="ORIGINALHEIGHT" val="91.48859"/>
-  <p:tag name="ORIGINALWIDTH" val="194.9756"/>
+  <p:tag name="ORIGINALHEIGHT" val="130.4837"/>
+  <p:tag name="ORIGINALWIDTH" val="305.9617"/>
   <p:tag name="OUTPUTDPI" val="1200"/>
-  <p:tag name="LATEXADDIN" val="\documentclass{article}&#10;\usepackage{amsmath}&#10;\pagestyle{empty}&#10;\begin{document}&#10;&#10;$\mathbf{r}_\text{pkt}$&#10;&#10;&#10;\end{document}"/>
+  <p:tag name="LATEXADDIN" val="\documentclass{article}&#10;\usepackage{amsmath}&#10;\pagestyle{empty}&#10;\begin{document}&#10;&#10;$e^{\text{-}j\hat{\theta}(k)}$&#10;&#10;&#10;\end{document}"/>
   <p:tag name="IGUANATEXSIZE" val="20"/>
-  <p:tag name="IGUANATEXCURSOR" val="102"/>
+  <p:tag name="IGUANATEXCURSOR" val="110"/>
+  <p:tag name="TRANSPARENCY" val="True"/>
+  <p:tag name="FILENAME" val=""/>
+  <p:tag name="INPUTTYPE" val="0"/>
+  <p:tag name="LATEXENGINEID" val="0"/>
+  <p:tag name="TEMPFOLDER" val="C:\Users\ecestudent\Documents\IguanaTexTemp\"/>
+</p:tagLst>
+</file>
+
+<file path=ppt/tags/tag29.xml><?xml version="1.0" encoding="utf-8"?>
+<p:tagLst xmlns:a="http://schemas.openxmlformats.org/drawingml/2006/main" xmlns:r="http://schemas.openxmlformats.org/officeDocument/2006/relationships" xmlns:p="http://schemas.openxmlformats.org/presentationml/2006/main">
+  <p:tag name="ORIGINALHEIGHT" val="123.7346"/>
+  <p:tag name="ORIGINALWIDTH" val="214.4731"/>
+  <p:tag name="OUTPUTDPI" val="1200"/>
+  <p:tag name="LATEXADDIN" val="\documentclass{article}&#10;\usepackage{amsmath}&#10;\pagestyle{empty}&#10;\begin{document}&#10;&#10;$\hat{a}(k)$&#10;&#10;&#10;\end{document}&#10;"/>
+  <p:tag name="IGUANATEXSIZE" val="20"/>
+  <p:tag name="IGUANATEXCURSOR" val="111"/>
   <p:tag name="TRANSPARENCY" val="True"/>
   <p:tag name="FILENAME" val=""/>
   <p:tag name="INPUTTYPE" val="0"/>
@@ -26960,6 +28829,134 @@
   <p:tag name="LATEXADDIN" val="\documentclass{article}&#10;\usepackage{amsmath}&#10;\pagestyle{empty}&#10;\begin{document}&#10;&#10;$\hat{\omega}_0$&#10;&#10;&#10;\end{document}"/>
   <p:tag name="IGUANATEXSIZE" val="20"/>
   <p:tag name="IGUANATEXCURSOR" val="97"/>
+  <p:tag name="TRANSPARENCY" val="True"/>
+  <p:tag name="FILENAME" val=""/>
+  <p:tag name="INPUTTYPE" val="0"/>
+  <p:tag name="LATEXENGINEID" val="0"/>
+  <p:tag name="TEMPFOLDER" val="C:\Users\ecestudent\Documents\IguanaTexTemp\"/>
+</p:tagLst>
+</file>
+
+<file path=ppt/tags/tag30.xml><?xml version="1.0" encoding="utf-8"?>
+<p:tagLst xmlns:a="http://schemas.openxmlformats.org/drawingml/2006/main" xmlns:r="http://schemas.openxmlformats.org/officeDocument/2006/relationships" xmlns:p="http://schemas.openxmlformats.org/presentationml/2006/main">
+  <p:tag name="ORIGINALHEIGHT" val="123.7346"/>
+  <p:tag name="ORIGINALWIDTH" val="274.4657"/>
+  <p:tag name="OUTPUTDPI" val="1200"/>
+  <p:tag name="LATEXADDIN" val="\documentclass{article}&#10;\usepackage{amsmath}&#10;\pagestyle{empty}&#10;\begin{document}&#10;&#10;$r_\text{d}(n)$&#10;&#10;&#10;\end{document}"/>
+  <p:tag name="IGUANATEXSIZE" val="20"/>
+  <p:tag name="IGUANATEXCURSOR" val="92"/>
+  <p:tag name="TRANSPARENCY" val="True"/>
+  <p:tag name="FILENAME" val=""/>
+  <p:tag name="INPUTTYPE" val="0"/>
+  <p:tag name="LATEXENGINEID" val="0"/>
+  <p:tag name="TEMPFOLDER" val="C:\Users\ecestudent\Documents\IguanaTexTemp\"/>
+</p:tagLst>
+</file>
+
+<file path=ppt/tags/tag31.xml><?xml version="1.0" encoding="utf-8"?>
+<p:tagLst xmlns:a="http://schemas.openxmlformats.org/drawingml/2006/main" xmlns:r="http://schemas.openxmlformats.org/officeDocument/2006/relationships" xmlns:p="http://schemas.openxmlformats.org/presentationml/2006/main">
+  <p:tag name="ORIGINALHEIGHT" val="123.7346"/>
+  <p:tag name="ORIGINALWIDTH" val="257.9677"/>
+  <p:tag name="OUTPUTDPI" val="1200"/>
+  <p:tag name="LATEXADDIN" val="\documentclass{article}&#10;\usepackage{amsmath}&#10;\pagestyle{empty}&#10;\begin{document}&#10;&#10;$r_\text{r}(n)$&#10;&#10;&#10;\end{document}"/>
+  <p:tag name="IGUANATEXSIZE" val="20"/>
+  <p:tag name="IGUANATEXCURSOR" val="91"/>
+  <p:tag name="TRANSPARENCY" val="True"/>
+  <p:tag name="FILENAME" val=""/>
+  <p:tag name="INPUTTYPE" val="0"/>
+  <p:tag name="LATEXENGINEID" val="0"/>
+  <p:tag name="TEMPFOLDER" val="C:\Users\ecestudent\Documents\IguanaTexTemp\"/>
+</p:tagLst>
+</file>
+
+<file path=ppt/tags/tag32.xml><?xml version="1.0" encoding="utf-8"?>
+<p:tagLst xmlns:a="http://schemas.openxmlformats.org/drawingml/2006/main" xmlns:r="http://schemas.openxmlformats.org/officeDocument/2006/relationships" xmlns:p="http://schemas.openxmlformats.org/presentationml/2006/main">
+  <p:tag name="ORIGINALHEIGHT" val="123.7346"/>
+  <p:tag name="ORIGINALWIDTH" val="214.4731"/>
+  <p:tag name="OUTPUTDPI" val="1200"/>
+  <p:tag name="LATEXADDIN" val="\documentclass{article}&#10;\usepackage{amsmath}&#10;\usepackage{amssymb}&#10;\pagestyle{empty}&#10;\begin{document}&#10;&#10;$a(k)$&#10;&#10;&#10;&#10;\end{document}"/>
+  <p:tag name="IGUANATEXSIZE" val="20"/>
+  <p:tag name="IGUANATEXCURSOR" val="104"/>
+  <p:tag name="TRANSPARENCY" val="True"/>
+  <p:tag name="FILENAME" val=""/>
+  <p:tag name="INPUTTYPE" val="0"/>
+  <p:tag name="LATEXENGINEID" val="0"/>
+  <p:tag name="TEMPFOLDER" val="C:\Users\ecestudent\Documents\IguanaTexTemp\"/>
+</p:tagLst>
+</file>
+
+<file path=ppt/tags/tag33.xml><?xml version="1.0" encoding="utf-8"?>
+<p:tagLst xmlns:a="http://schemas.openxmlformats.org/drawingml/2006/main" xmlns:r="http://schemas.openxmlformats.org/officeDocument/2006/relationships" xmlns:p="http://schemas.openxmlformats.org/presentationml/2006/main">
+  <p:tag name="ORIGINALHEIGHT" val="85.48929"/>
+  <p:tag name="ORIGINALWIDTH" val="53.24331"/>
+  <p:tag name="OUTPUTDPI" val="1200"/>
+  <p:tag name="LATEXADDIN" val="\documentclass{article}&#10;\usepackage{amsmath}&#10;\usepackage{amssymb}&#10;\pagestyle{empty}&#10;\begin{document}&#10;&#10;$0$&#10;&#10;&#10;&#10;\end{document}"/>
+  <p:tag name="IGUANATEXSIZE" val="16"/>
+  <p:tag name="IGUANATEXCURSOR" val="105"/>
+  <p:tag name="TRANSPARENCY" val="True"/>
+  <p:tag name="FILENAME" val=""/>
+  <p:tag name="INPUTTYPE" val="0"/>
+  <p:tag name="LATEXENGINEID" val="0"/>
+  <p:tag name="TEMPFOLDER" val="C:\Users\ecestudent\Documents\IguanaTexTemp\"/>
+</p:tagLst>
+</file>
+
+<file path=ppt/tags/tag34.xml><?xml version="1.0" encoding="utf-8"?>
+<p:tagLst xmlns:a="http://schemas.openxmlformats.org/drawingml/2006/main" xmlns:r="http://schemas.openxmlformats.org/officeDocument/2006/relationships" xmlns:p="http://schemas.openxmlformats.org/presentationml/2006/main">
+  <p:tag name="ORIGINALHEIGHT" val="83.23961"/>
+  <p:tag name="ORIGINALWIDTH" val="41.99472"/>
+  <p:tag name="OUTPUTDPI" val="1200"/>
+  <p:tag name="LATEXADDIN" val="\documentclass{article}&#10;\usepackage{amsmath}&#10;\usepackage{amssymb}&#10;\pagestyle{empty}&#10;\begin{document}&#10;&#10;$1$&#10;&#10;&#10;&#10;\end{document}"/>
+  <p:tag name="IGUANATEXSIZE" val="16"/>
+  <p:tag name="IGUANATEXCURSOR" val="104"/>
+  <p:tag name="TRANSPARENCY" val="True"/>
+  <p:tag name="FILENAME" val=""/>
+  <p:tag name="INPUTTYPE" val="0"/>
+  <p:tag name="LATEXENGINEID" val="0"/>
+  <p:tag name="TEMPFOLDER" val="C:\Users\ecestudent\Documents\IguanaTexTemp\"/>
+</p:tagLst>
+</file>
+
+<file path=ppt/tags/tag35.xml><?xml version="1.0" encoding="utf-8"?>
+<p:tagLst xmlns:a="http://schemas.openxmlformats.org/drawingml/2006/main" xmlns:r="http://schemas.openxmlformats.org/officeDocument/2006/relationships" xmlns:p="http://schemas.openxmlformats.org/presentationml/2006/main">
+  <p:tag name="ORIGINALHEIGHT" val="122.2347"/>
+  <p:tag name="ORIGINALWIDTH" val="775.4031"/>
+  <p:tag name="OUTPUTDPI" val="1200"/>
+  <p:tag name="LATEXADDIN" val="\documentclass{article}&#10;\usepackage{amsmath}&#10;\pagestyle{empty}&#10;\begin{document}&#10;&#10;$k &lt; L_p+L_\text{asm}$&#10;&#10;&#10;\end{document}"/>
+  <p:tag name="IGUANATEXSIZE" val="20"/>
+  <p:tag name="IGUANATEXCURSOR" val="85"/>
+  <p:tag name="TRANSPARENCY" val="True"/>
+  <p:tag name="FILENAME" val=""/>
+  <p:tag name="INPUTTYPE" val="0"/>
+  <p:tag name="LATEXENGINEID" val="0"/>
+  <p:tag name="TEMPFOLDER" val="C:\Users\ecestudent\Documents\IguanaTexTemp\"/>
+</p:tagLst>
+</file>
+
+<file path=ppt/tags/tag36.xml><?xml version="1.0" encoding="utf-8"?>
+<p:tagLst xmlns:a="http://schemas.openxmlformats.org/drawingml/2006/main" xmlns:r="http://schemas.openxmlformats.org/officeDocument/2006/relationships" xmlns:p="http://schemas.openxmlformats.org/presentationml/2006/main">
+  <p:tag name="ORIGINALHEIGHT" val="123.7346"/>
+  <p:tag name="ORIGINALWIDTH" val="257.9677"/>
+  <p:tag name="OUTPUTDPI" val="1200"/>
+  <p:tag name="LATEXADDIN" val="\documentclass{article}&#10;\usepackage{amsmath}&#10;\pagestyle{empty}&#10;\begin{document}&#10;&#10;$r_\text{r}(n)$&#10;&#10;&#10;\end{document}"/>
+  <p:tag name="IGUANATEXSIZE" val="20"/>
+  <p:tag name="IGUANATEXCURSOR" val="92"/>
+  <p:tag name="TRANSPARENCY" val="True"/>
+  <p:tag name="FILENAME" val=""/>
+  <p:tag name="INPUTTYPE" val="0"/>
+  <p:tag name="LATEXENGINEID" val="0"/>
+  <p:tag name="TEMPFOLDER" val="C:\Users\ecestudent\Documents\IguanaTexTemp\"/>
+</p:tagLst>
+</file>
+
+<file path=ppt/tags/tag37.xml><?xml version="1.0" encoding="utf-8"?>
+<p:tagLst xmlns:a="http://schemas.openxmlformats.org/drawingml/2006/main" xmlns:r="http://schemas.openxmlformats.org/officeDocument/2006/relationships" xmlns:p="http://schemas.openxmlformats.org/presentationml/2006/main">
+  <p:tag name="ORIGINALHEIGHT" val="91.48859"/>
+  <p:tag name="ORIGINALWIDTH" val="194.9756"/>
+  <p:tag name="OUTPUTDPI" val="1200"/>
+  <p:tag name="LATEXADDIN" val="\documentclass{article}&#10;\usepackage{amsmath}&#10;\pagestyle{empty}&#10;\begin{document}&#10;&#10;$\mathbf{r}_\text{pkt}$&#10;&#10;&#10;\end{document}"/>
+  <p:tag name="IGUANATEXSIZE" val="20"/>
+  <p:tag name="IGUANATEXCURSOR" val="102"/>
   <p:tag name="TRANSPARENCY" val="True"/>
   <p:tag name="FILENAME" val=""/>
   <p:tag name="INPUTTYPE" val="0"/>
